--- a/docs/Verteidigung.pptx
+++ b/docs/Verteidigung.pptx
@@ -2,10 +2,11 @@
 <file path=ppt/presentation.xml><?xml version="1.0" encoding="utf-8"?>
 <p:presentation xmlns:a="http://schemas.openxmlformats.org/drawingml/2006/main" xmlns:r="http://schemas.openxmlformats.org/officeDocument/2006/relationships" xmlns:p="http://schemas.openxmlformats.org/presentationml/2006/main" saveSubsetFonts="1">
   <p:sldMasterIdLst>
-    <p:sldMasterId id="2147483648" r:id="rId1"/>
+    <p:sldMasterId id="2147483660" r:id="rId1"/>
   </p:sldMasterIdLst>
   <p:sldIdLst>
     <p:sldId id="256" r:id="rId2"/>
+    <p:sldId id="257" r:id="rId3"/>
   </p:sldIdLst>
   <p:sldSz cx="12192000" cy="6858000"/>
   <p:notesSz cx="6858000" cy="9144000"/>
@@ -104,12 +105,26 @@
       </a:defRPr>
     </a:lvl9pPr>
   </p:defaultTextStyle>
+  <p:extLst>
+    <p:ext uri="{EFAFB233-063F-42B5-8137-9DF3F51BA10A}">
+      <p15:sldGuideLst xmlns:p15="http://schemas.microsoft.com/office/powerpoint/2012/main"/>
+    </p:ext>
+  </p:extLst>
 </p:presentation>
 </file>
 
+<file path=ppt/revisionInfo.xml><?xml version="1.0" encoding="utf-8"?>
+<p1510:revInfo xmlns:a="http://schemas.openxmlformats.org/drawingml/2006/main" xmlns:r="http://schemas.openxmlformats.org/officeDocument/2006/relationships" xmlns:p1510="http://schemas.microsoft.com/office/powerpoint/2015/10/main"/>
+</file>
+
 <file path=ppt/slideLayouts/slideLayout1.xml><?xml version="1.0" encoding="utf-8"?>
-<p:sldLayout xmlns:a="http://schemas.openxmlformats.org/drawingml/2006/main" xmlns:r="http://schemas.openxmlformats.org/officeDocument/2006/relationships" xmlns:p="http://schemas.openxmlformats.org/presentationml/2006/main" type="title" preserve="1">
+<p:sldLayout xmlns:a="http://schemas.openxmlformats.org/drawingml/2006/main" xmlns:r="http://schemas.openxmlformats.org/officeDocument/2006/relationships" xmlns:p="http://schemas.openxmlformats.org/presentationml/2006/main" showMasterSp="0" type="title" preserve="1">
   <p:cSld name="Titelfolie">
+    <p:bg>
+      <p:bgRef idx="1002">
+        <a:schemeClr val="bg2"/>
+      </p:bgRef>
+    </p:bg>
     <p:spTree>
       <p:nvGrpSpPr>
         <p:cNvPr id="1" name=""/>
@@ -126,6 +141,51 @@
       </p:grpSpPr>
       <p:sp>
         <p:nvSpPr>
+          <p:cNvPr id="9" name="Rechteck 8"/>
+          <p:cNvSpPr/>
+          <p:nvPr/>
+        </p:nvSpPr>
+        <p:spPr bwMode="ltGray">
+          <a:xfrm>
+            <a:off x="1" y="0"/>
+            <a:ext cx="12191999" cy="5135430"/>
+          </a:xfrm>
+          <a:prstGeom prst="rect">
+            <a:avLst/>
+          </a:prstGeom>
+          <a:solidFill>
+            <a:srgbClr val="000000"/>
+          </a:solidFill>
+          <a:ln w="48000" cap="flat" cmpd="thickThin" algn="ctr">
+            <a:noFill/>
+            <a:prstDash val="solid"/>
+          </a:ln>
+        </p:spPr>
+        <p:style>
+          <a:lnRef idx="2">
+            <a:schemeClr val="accent1"/>
+          </a:lnRef>
+          <a:fillRef idx="1">
+            <a:schemeClr val="accent1"/>
+          </a:fillRef>
+          <a:effectRef idx="0">
+            <a:schemeClr val="accent1"/>
+          </a:effectRef>
+          <a:fontRef idx="minor">
+            <a:schemeClr val="lt1"/>
+          </a:fontRef>
+        </p:style>
+        <p:txBody>
+          <a:bodyPr rtlCol="0" anchor="ctr"/>
+          <a:lstStyle/>
+          <a:p>
+            <a:pPr algn="ctr" eaLnBrk="1" latinLnBrk="0" hangingPunct="1"/>
+            <a:endParaRPr kumimoji="0" lang="en-US" sz="1800"/>
+          </a:p>
+        </p:txBody>
+      </p:sp>
+      <p:sp>
+        <p:nvSpPr>
           <p:cNvPr id="2" name="Titel 1"/>
           <p:cNvSpPr>
             <a:spLocks noGrp="1"/>
@@ -136,23 +196,35 @@
         </p:nvSpPr>
         <p:spPr>
           <a:xfrm>
-            <a:off x="1524000" y="1122363"/>
-            <a:ext cx="9144000" cy="2387600"/>
+            <a:off x="914400" y="3355848"/>
+            <a:ext cx="10769600" cy="1673352"/>
           </a:xfrm>
         </p:spPr>
         <p:txBody>
-          <a:bodyPr anchor="b"/>
+          <a:bodyPr vert="horz" lIns="91440" tIns="0" rIns="45720" bIns="0" rtlCol="0" anchor="t">
+            <a:normAutofit/>
+            <a:scene3d>
+              <a:camera prst="orthographicFront"/>
+              <a:lightRig rig="threePt" dir="t">
+                <a:rot lat="0" lon="0" rev="4800000"/>
+              </a:lightRig>
+            </a:scene3d>
+            <a:sp3d prstMaterial="matte">
+              <a:bevelT w="50800" h="10160"/>
+            </a:sp3d>
+          </a:bodyPr>
           <a:lstStyle>
-            <a:lvl1pPr algn="ctr">
-              <a:defRPr sz="6000"/>
+            <a:lvl1pPr algn="l">
+              <a:defRPr sz="4700" b="1"/>
             </a:lvl1pPr>
+            <a:extLst/>
           </a:lstStyle>
           <a:p>
             <a:r>
-              <a:rPr lang="de-DE" smtClean="0"/>
-              <a:t>Titelmasterformat durch Klicken bearbeiten</a:t>
-            </a:r>
-            <a:endParaRPr lang="de-DE"/>
+              <a:rPr kumimoji="0" lang="de-DE"/>
+              <a:t>Mastertitelformat bearbeiten</a:t>
+            </a:r>
+            <a:endParaRPr kumimoji="0" lang="en-US"/>
           </a:p>
         </p:txBody>
       </p:sp>
@@ -168,56 +240,109 @@
         </p:nvSpPr>
         <p:spPr>
           <a:xfrm>
-            <a:off x="1524000" y="3602038"/>
-            <a:ext cx="9144000" cy="1655762"/>
+            <a:off x="914400" y="1828800"/>
+            <a:ext cx="10769600" cy="1499616"/>
           </a:xfrm>
         </p:spPr>
         <p:txBody>
-          <a:bodyPr/>
+          <a:bodyPr lIns="118872" tIns="0" rIns="45720" bIns="0" anchor="b"/>
           <a:lstStyle>
-            <a:lvl1pPr marL="0" indent="0" algn="ctr">
-              <a:buNone/>
-              <a:defRPr sz="2400"/>
+            <a:lvl1pPr marL="0" indent="0" algn="l">
+              <a:buNone/>
+              <a:defRPr sz="2000">
+                <a:solidFill>
+                  <a:srgbClr val="FFFFFF"/>
+                </a:solidFill>
+              </a:defRPr>
             </a:lvl1pPr>
             <a:lvl2pPr marL="457200" indent="0" algn="ctr">
               <a:buNone/>
-              <a:defRPr sz="2000"/>
+              <a:defRPr>
+                <a:solidFill>
+                  <a:schemeClr val="tx1">
+                    <a:tint val="75000"/>
+                  </a:schemeClr>
+                </a:solidFill>
+              </a:defRPr>
             </a:lvl2pPr>
             <a:lvl3pPr marL="914400" indent="0" algn="ctr">
               <a:buNone/>
-              <a:defRPr sz="1800"/>
+              <a:defRPr>
+                <a:solidFill>
+                  <a:schemeClr val="tx1">
+                    <a:tint val="75000"/>
+                  </a:schemeClr>
+                </a:solidFill>
+              </a:defRPr>
             </a:lvl3pPr>
             <a:lvl4pPr marL="1371600" indent="0" algn="ctr">
               <a:buNone/>
-              <a:defRPr sz="1600"/>
+              <a:defRPr>
+                <a:solidFill>
+                  <a:schemeClr val="tx1">
+                    <a:tint val="75000"/>
+                  </a:schemeClr>
+                </a:solidFill>
+              </a:defRPr>
             </a:lvl4pPr>
             <a:lvl5pPr marL="1828800" indent="0" algn="ctr">
               <a:buNone/>
-              <a:defRPr sz="1600"/>
+              <a:defRPr>
+                <a:solidFill>
+                  <a:schemeClr val="tx1">
+                    <a:tint val="75000"/>
+                  </a:schemeClr>
+                </a:solidFill>
+              </a:defRPr>
             </a:lvl5pPr>
             <a:lvl6pPr marL="2286000" indent="0" algn="ctr">
               <a:buNone/>
-              <a:defRPr sz="1600"/>
+              <a:defRPr>
+                <a:solidFill>
+                  <a:schemeClr val="tx1">
+                    <a:tint val="75000"/>
+                  </a:schemeClr>
+                </a:solidFill>
+              </a:defRPr>
             </a:lvl6pPr>
             <a:lvl7pPr marL="2743200" indent="0" algn="ctr">
               <a:buNone/>
-              <a:defRPr sz="1600"/>
+              <a:defRPr>
+                <a:solidFill>
+                  <a:schemeClr val="tx1">
+                    <a:tint val="75000"/>
+                  </a:schemeClr>
+                </a:solidFill>
+              </a:defRPr>
             </a:lvl7pPr>
             <a:lvl8pPr marL="3200400" indent="0" algn="ctr">
               <a:buNone/>
-              <a:defRPr sz="1600"/>
+              <a:defRPr>
+                <a:solidFill>
+                  <a:schemeClr val="tx1">
+                    <a:tint val="75000"/>
+                  </a:schemeClr>
+                </a:solidFill>
+              </a:defRPr>
             </a:lvl8pPr>
             <a:lvl9pPr marL="3657600" indent="0" algn="ctr">
               <a:buNone/>
-              <a:defRPr sz="1600"/>
+              <a:defRPr>
+                <a:solidFill>
+                  <a:schemeClr val="tx1">
+                    <a:tint val="75000"/>
+                  </a:schemeClr>
+                </a:solidFill>
+              </a:defRPr>
             </a:lvl9pPr>
+            <a:extLst/>
           </a:lstStyle>
           <a:p>
             <a:r>
-              <a:rPr lang="de-DE" smtClean="0"/>
-              <a:t>Formatvorlage des Untertitelmasters durch Klicken bearbeiten</a:t>
-            </a:r>
-            <a:endParaRPr lang="de-DE"/>
+              <a:rPr kumimoji="0" lang="de-DE"/>
+              <a:t>Master-Untertitelformat bearbeiten</a:t>
+            </a:r>
+            <a:endParaRPr kumimoji="0" lang="en-US"/>
           </a:p>
         </p:txBody>
       </p:sp>
@@ -238,7 +363,7 @@
           <a:p>
             <a:fld id="{209A490C-0BF1-4910-AEA8-1E4A24D4238C}" type="datetimeFigureOut">
               <a:rPr lang="de-DE" smtClean="0"/>
-              <a:t>26.01.2018</a:t>
+              <a:t>28.01.2018</a:t>
             </a:fld>
             <a:endParaRPr lang="de-DE"/>
           </a:p>
@@ -286,15 +411,67 @@
           </a:p>
         </p:txBody>
       </p:sp>
+      <p:sp>
+        <p:nvSpPr>
+          <p:cNvPr id="10" name="Rechteck 9"/>
+          <p:cNvSpPr/>
+          <p:nvPr/>
+        </p:nvSpPr>
+        <p:spPr bwMode="invGray">
+          <a:xfrm>
+            <a:off x="0" y="5128334"/>
+            <a:ext cx="12192000" cy="45720"/>
+          </a:xfrm>
+          <a:prstGeom prst="rect">
+            <a:avLst/>
+          </a:prstGeom>
+          <a:solidFill>
+            <a:srgbClr val="FFFFFF"/>
+          </a:solidFill>
+          <a:ln w="48000" cap="flat" cmpd="thickThin" algn="ctr">
+            <a:noFill/>
+            <a:prstDash val="solid"/>
+          </a:ln>
+          <a:effectLst>
+            <a:outerShdw blurRad="31750" dist="10160" dir="5400000" algn="tl" rotWithShape="0">
+              <a:srgbClr val="000000">
+                <a:alpha val="60000"/>
+              </a:srgbClr>
+            </a:outerShdw>
+          </a:effectLst>
+        </p:spPr>
+        <p:style>
+          <a:lnRef idx="2">
+            <a:schemeClr val="accent1"/>
+          </a:lnRef>
+          <a:fillRef idx="1">
+            <a:schemeClr val="accent1"/>
+          </a:fillRef>
+          <a:effectRef idx="0">
+            <a:schemeClr val="accent1"/>
+          </a:effectRef>
+          <a:fontRef idx="minor">
+            <a:schemeClr val="lt1"/>
+          </a:fontRef>
+        </p:style>
+        <p:txBody>
+          <a:bodyPr rtlCol="0" anchor="ctr"/>
+          <a:lstStyle/>
+          <a:p>
+            <a:pPr algn="ctr" eaLnBrk="1" latinLnBrk="0" hangingPunct="1"/>
+            <a:endParaRPr kumimoji="0" lang="en-US" sz="1800"/>
+          </a:p>
+        </p:txBody>
+      </p:sp>
     </p:spTree>
     <p:extLst>
       <p:ext uri="{BB962C8B-B14F-4D97-AF65-F5344CB8AC3E}">
-        <p14:creationId xmlns:p14="http://schemas.microsoft.com/office/powerpoint/2010/main" val="2832159888"/>
+        <p14:creationId xmlns:p14="http://schemas.microsoft.com/office/powerpoint/2010/main" val="1105178812"/>
       </p:ext>
     </p:extLst>
   </p:cSld>
   <p:clrMapOvr>
-    <a:masterClrMapping/>
+    <a:overrideClrMapping bg1="dk1" tx1="lt1" bg2="dk2" tx2="lt2" accent1="accent1" accent2="accent2" accent3="accent3" accent4="accent4" accent5="accent5" accent6="accent6" hlink="hlink" folHlink="folHlink"/>
   </p:clrMapOvr>
 </p:sldLayout>
 </file>
@@ -332,10 +509,10 @@
           <a:lstStyle/>
           <a:p>
             <a:r>
-              <a:rPr lang="de-DE" smtClean="0"/>
-              <a:t>Titelmasterformat durch Klicken bearbeiten</a:t>
-            </a:r>
-            <a:endParaRPr lang="de-DE"/>
+              <a:rPr kumimoji="0" lang="de-DE"/>
+              <a:t>Mastertitelformat bearbeiten</a:t>
+            </a:r>
+            <a:endParaRPr kumimoji="0" lang="en-US"/>
           </a:p>
         </p:txBody>
       </p:sp>
@@ -354,40 +531,40 @@
           <a:bodyPr vert="eaVert"/>
           <a:lstStyle/>
           <a:p>
-            <a:pPr lvl="0"/>
-            <a:r>
-              <a:rPr lang="de-DE" smtClean="0"/>
-              <a:t>Formatvorlagen des Textmasters bearbeiten</a:t>
-            </a:r>
-          </a:p>
-          <a:p>
-            <a:pPr lvl="1"/>
-            <a:r>
-              <a:rPr lang="de-DE" smtClean="0"/>
+            <a:pPr lvl="0" eaLnBrk="1" latinLnBrk="0" hangingPunct="1"/>
+            <a:r>
+              <a:rPr lang="de-DE"/>
+              <a:t>Mastertextformat bearbeiten</a:t>
+            </a:r>
+          </a:p>
+          <a:p>
+            <a:pPr lvl="1" eaLnBrk="1" latinLnBrk="0" hangingPunct="1"/>
+            <a:r>
+              <a:rPr lang="de-DE"/>
               <a:t>Zweite Ebene</a:t>
             </a:r>
           </a:p>
           <a:p>
-            <a:pPr lvl="2"/>
-            <a:r>
-              <a:rPr lang="de-DE" smtClean="0"/>
+            <a:pPr lvl="2" eaLnBrk="1" latinLnBrk="0" hangingPunct="1"/>
+            <a:r>
+              <a:rPr lang="de-DE"/>
               <a:t>Dritte Ebene</a:t>
             </a:r>
           </a:p>
           <a:p>
-            <a:pPr lvl="3"/>
-            <a:r>
-              <a:rPr lang="de-DE" smtClean="0"/>
+            <a:pPr lvl="3" eaLnBrk="1" latinLnBrk="0" hangingPunct="1"/>
+            <a:r>
+              <a:rPr lang="de-DE"/>
               <a:t>Vierte Ebene</a:t>
             </a:r>
           </a:p>
           <a:p>
-            <a:pPr lvl="4"/>
-            <a:r>
-              <a:rPr lang="de-DE" smtClean="0"/>
+            <a:pPr lvl="4" eaLnBrk="1" latinLnBrk="0" hangingPunct="1"/>
+            <a:r>
+              <a:rPr lang="de-DE"/>
               <a:t>Fünfte Ebene</a:t>
             </a:r>
-            <a:endParaRPr lang="de-DE"/>
+            <a:endParaRPr kumimoji="0" lang="en-US"/>
           </a:p>
         </p:txBody>
       </p:sp>
@@ -408,7 +585,7 @@
           <a:p>
             <a:fld id="{209A490C-0BF1-4910-AEA8-1E4A24D4238C}" type="datetimeFigureOut">
               <a:rPr lang="de-DE" smtClean="0"/>
-              <a:t>26.01.2018</a:t>
+              <a:t>28.01.2018</a:t>
             </a:fld>
             <a:endParaRPr lang="de-DE"/>
           </a:p>
@@ -459,7 +636,7 @@
     </p:spTree>
     <p:extLst>
       <p:ext uri="{BB962C8B-B14F-4D97-AF65-F5344CB8AC3E}">
-        <p14:creationId xmlns:p14="http://schemas.microsoft.com/office/powerpoint/2010/main" val="3201955955"/>
+        <p14:creationId xmlns:p14="http://schemas.microsoft.com/office/powerpoint/2010/main" val="3265879233"/>
       </p:ext>
     </p:extLst>
   </p:cSld>
@@ -470,7 +647,7 @@
 </file>
 
 <file path=ppt/slideLayouts/slideLayout11.xml><?xml version="1.0" encoding="utf-8"?>
-<p:sldLayout xmlns:a="http://schemas.openxmlformats.org/drawingml/2006/main" xmlns:r="http://schemas.openxmlformats.org/officeDocument/2006/relationships" xmlns:p="http://schemas.openxmlformats.org/presentationml/2006/main" type="vertTitleAndTx" preserve="1">
+<p:sldLayout xmlns:a="http://schemas.openxmlformats.org/drawingml/2006/main" xmlns:r="http://schemas.openxmlformats.org/officeDocument/2006/relationships" xmlns:p="http://schemas.openxmlformats.org/presentationml/2006/main" showMasterSp="0" type="vertTitleAndTx" preserve="1">
   <p:cSld name="Vertikaler Titel und Text">
     <p:spTree>
       <p:nvGrpSpPr>
@@ -488,6 +665,103 @@
       </p:grpSpPr>
       <p:sp>
         <p:nvSpPr>
+          <p:cNvPr id="9" name="Rechteck 8"/>
+          <p:cNvSpPr/>
+          <p:nvPr/>
+        </p:nvSpPr>
+        <p:spPr bwMode="invGray">
+          <a:xfrm>
+            <a:off x="8798560" y="0"/>
+            <a:ext cx="60960" cy="6858000"/>
+          </a:xfrm>
+          <a:prstGeom prst="rect">
+            <a:avLst/>
+          </a:prstGeom>
+          <a:solidFill>
+            <a:srgbClr val="FFFFFF"/>
+          </a:solidFill>
+          <a:ln w="48000" cap="flat" cmpd="thickThin" algn="ctr">
+            <a:noFill/>
+            <a:prstDash val="solid"/>
+          </a:ln>
+          <a:effectLst>
+            <a:outerShdw blurRad="31750" dist="10160" dir="10800000" algn="tl" rotWithShape="0">
+              <a:srgbClr val="000000">
+                <a:alpha val="60000"/>
+              </a:srgbClr>
+            </a:outerShdw>
+          </a:effectLst>
+        </p:spPr>
+        <p:style>
+          <a:lnRef idx="2">
+            <a:schemeClr val="accent1"/>
+          </a:lnRef>
+          <a:fillRef idx="1">
+            <a:schemeClr val="accent1"/>
+          </a:fillRef>
+          <a:effectRef idx="0">
+            <a:schemeClr val="accent1"/>
+          </a:effectRef>
+          <a:fontRef idx="minor">
+            <a:schemeClr val="lt1"/>
+          </a:fontRef>
+        </p:style>
+        <p:txBody>
+          <a:bodyPr rtlCol="0" anchor="ctr"/>
+          <a:lstStyle/>
+          <a:p>
+            <a:pPr algn="ctr" eaLnBrk="1" latinLnBrk="0" hangingPunct="1"/>
+            <a:endParaRPr kumimoji="0" lang="en-US" sz="1800"/>
+          </a:p>
+        </p:txBody>
+      </p:sp>
+      <p:sp>
+        <p:nvSpPr>
+          <p:cNvPr id="8" name="Rechteck 7"/>
+          <p:cNvSpPr/>
+          <p:nvPr/>
+        </p:nvSpPr>
+        <p:spPr bwMode="ltGray">
+          <a:xfrm>
+            <a:off x="8863584" y="0"/>
+            <a:ext cx="3352801" cy="6858000"/>
+          </a:xfrm>
+          <a:prstGeom prst="rect">
+            <a:avLst/>
+          </a:prstGeom>
+          <a:solidFill>
+            <a:srgbClr val="000000"/>
+          </a:solidFill>
+          <a:ln w="48000" cap="flat" cmpd="thickThin" algn="ctr">
+            <a:noFill/>
+            <a:prstDash val="solid"/>
+          </a:ln>
+        </p:spPr>
+        <p:style>
+          <a:lnRef idx="2">
+            <a:schemeClr val="accent1"/>
+          </a:lnRef>
+          <a:fillRef idx="1">
+            <a:schemeClr val="accent1"/>
+          </a:fillRef>
+          <a:effectRef idx="0">
+            <a:schemeClr val="accent1"/>
+          </a:effectRef>
+          <a:fontRef idx="minor">
+            <a:schemeClr val="lt1"/>
+          </a:fontRef>
+        </p:style>
+        <p:txBody>
+          <a:bodyPr rtlCol="0" anchor="ctr"/>
+          <a:lstStyle/>
+          <a:p>
+            <a:pPr algn="ctr" eaLnBrk="1" latinLnBrk="0" hangingPunct="1"/>
+            <a:endParaRPr kumimoji="0" lang="en-US" sz="1800"/>
+          </a:p>
+        </p:txBody>
+      </p:sp>
+      <p:sp>
+        <p:nvSpPr>
           <p:cNvPr id="2" name="Vertikaler Titel 1"/>
           <p:cNvSpPr>
             <a:spLocks noGrp="1"/>
@@ -498,8 +772,8 @@
         </p:nvSpPr>
         <p:spPr>
           <a:xfrm>
-            <a:off x="8724900" y="365125"/>
-            <a:ext cx="2628900" cy="5811838"/>
+            <a:off x="9042400" y="274641"/>
+            <a:ext cx="2540000" cy="5851525"/>
           </a:xfrm>
         </p:spPr>
         <p:txBody>
@@ -507,10 +781,10 @@
           <a:lstStyle/>
           <a:p>
             <a:r>
-              <a:rPr lang="de-DE" smtClean="0"/>
-              <a:t>Titelmasterformat durch Klicken bearbeiten</a:t>
-            </a:r>
-            <a:endParaRPr lang="de-DE"/>
+              <a:rPr kumimoji="0" lang="de-DE"/>
+              <a:t>Mastertitelformat bearbeiten</a:t>
+            </a:r>
+            <a:endParaRPr kumimoji="0" lang="en-US"/>
           </a:p>
         </p:txBody>
       </p:sp>
@@ -526,48 +800,48 @@
         </p:nvSpPr>
         <p:spPr>
           <a:xfrm>
-            <a:off x="838200" y="365125"/>
-            <a:ext cx="7734300" cy="5811838"/>
+            <a:off x="609600" y="304801"/>
+            <a:ext cx="8026400" cy="5851525"/>
           </a:xfrm>
         </p:spPr>
         <p:txBody>
           <a:bodyPr vert="eaVert"/>
           <a:lstStyle/>
           <a:p>
-            <a:pPr lvl="0"/>
-            <a:r>
-              <a:rPr lang="de-DE" smtClean="0"/>
-              <a:t>Formatvorlagen des Textmasters bearbeiten</a:t>
-            </a:r>
-          </a:p>
-          <a:p>
-            <a:pPr lvl="1"/>
-            <a:r>
-              <a:rPr lang="de-DE" smtClean="0"/>
+            <a:pPr lvl="0" eaLnBrk="1" latinLnBrk="0" hangingPunct="1"/>
+            <a:r>
+              <a:rPr lang="de-DE"/>
+              <a:t>Mastertextformat bearbeiten</a:t>
+            </a:r>
+          </a:p>
+          <a:p>
+            <a:pPr lvl="1" eaLnBrk="1" latinLnBrk="0" hangingPunct="1"/>
+            <a:r>
+              <a:rPr lang="de-DE"/>
               <a:t>Zweite Ebene</a:t>
             </a:r>
           </a:p>
           <a:p>
-            <a:pPr lvl="2"/>
-            <a:r>
-              <a:rPr lang="de-DE" smtClean="0"/>
+            <a:pPr lvl="2" eaLnBrk="1" latinLnBrk="0" hangingPunct="1"/>
+            <a:r>
+              <a:rPr lang="de-DE"/>
               <a:t>Dritte Ebene</a:t>
             </a:r>
           </a:p>
           <a:p>
-            <a:pPr lvl="3"/>
-            <a:r>
-              <a:rPr lang="de-DE" smtClean="0"/>
+            <a:pPr lvl="3" eaLnBrk="1" latinLnBrk="0" hangingPunct="1"/>
+            <a:r>
+              <a:rPr lang="de-DE"/>
               <a:t>Vierte Ebene</a:t>
             </a:r>
           </a:p>
           <a:p>
-            <a:pPr lvl="4"/>
-            <a:r>
-              <a:rPr lang="de-DE" smtClean="0"/>
+            <a:pPr lvl="4" eaLnBrk="1" latinLnBrk="0" hangingPunct="1"/>
+            <a:r>
+              <a:rPr lang="de-DE"/>
               <a:t>Fünfte Ebene</a:t>
             </a:r>
-            <a:endParaRPr lang="de-DE"/>
+            <a:endParaRPr kumimoji="0" lang="en-US"/>
           </a:p>
         </p:txBody>
       </p:sp>
@@ -588,7 +862,7 @@
           <a:p>
             <a:fld id="{209A490C-0BF1-4910-AEA8-1E4A24D4238C}" type="datetimeFigureOut">
               <a:rPr lang="de-DE" smtClean="0"/>
-              <a:t>26.01.2018</a:t>
+              <a:t>28.01.2018</a:t>
             </a:fld>
             <a:endParaRPr lang="de-DE"/>
           </a:p>
@@ -604,7 +878,12 @@
             <p:ph type="ftr" sz="quarter" idx="11"/>
           </p:nvPr>
         </p:nvSpPr>
-        <p:spPr/>
+        <p:spPr>
+          <a:xfrm>
+            <a:off x="3520796" y="6377460"/>
+            <a:ext cx="5115205" cy="365125"/>
+          </a:xfrm>
+        </p:spPr>
         <p:txBody>
           <a:bodyPr/>
           <a:lstStyle/>
@@ -639,7 +918,7 @@
     </p:spTree>
     <p:extLst>
       <p:ext uri="{BB962C8B-B14F-4D97-AF65-F5344CB8AC3E}">
-        <p14:creationId xmlns:p14="http://schemas.microsoft.com/office/powerpoint/2010/main" val="1613421651"/>
+        <p14:creationId xmlns:p14="http://schemas.microsoft.com/office/powerpoint/2010/main" val="2426324394"/>
       </p:ext>
     </p:extLst>
   </p:cSld>
@@ -676,68 +955,73 @@
             <p:ph type="title"/>
           </p:nvPr>
         </p:nvSpPr>
+        <p:spPr>
+          <a:xfrm>
+            <a:off x="609600" y="155448"/>
+            <a:ext cx="10972800" cy="1252728"/>
+          </a:xfrm>
+        </p:spPr>
+        <p:txBody>
+          <a:bodyPr/>
+          <a:lstStyle/>
+          <a:p>
+            <a:r>
+              <a:rPr kumimoji="0" lang="de-DE"/>
+              <a:t>Mastertitelformat bearbeiten</a:t>
+            </a:r>
+            <a:endParaRPr kumimoji="0" lang="en-US"/>
+          </a:p>
+        </p:txBody>
+      </p:sp>
+      <p:sp>
+        <p:nvSpPr>
+          <p:cNvPr id="3" name="Inhaltsplatzhalter 2"/>
+          <p:cNvSpPr>
+            <a:spLocks noGrp="1"/>
+          </p:cNvSpPr>
+          <p:nvPr>
+            <p:ph idx="1"/>
+          </p:nvPr>
+        </p:nvSpPr>
         <p:spPr/>
         <p:txBody>
           <a:bodyPr/>
           <a:lstStyle/>
           <a:p>
-            <a:r>
-              <a:rPr lang="de-DE" smtClean="0"/>
-              <a:t>Titelmasterformat durch Klicken bearbeiten</a:t>
-            </a:r>
-            <a:endParaRPr lang="de-DE"/>
-          </a:p>
-        </p:txBody>
-      </p:sp>
-      <p:sp>
-        <p:nvSpPr>
-          <p:cNvPr id="3" name="Inhaltsplatzhalter 2"/>
-          <p:cNvSpPr>
-            <a:spLocks noGrp="1"/>
-          </p:cNvSpPr>
-          <p:nvPr>
-            <p:ph idx="1"/>
-          </p:nvPr>
-        </p:nvSpPr>
-        <p:spPr/>
-        <p:txBody>
-          <a:bodyPr/>
-          <a:lstStyle/>
-          <a:p>
-            <a:pPr lvl="0"/>
-            <a:r>
-              <a:rPr lang="de-DE" smtClean="0"/>
-              <a:t>Formatvorlagen des Textmasters bearbeiten</a:t>
-            </a:r>
-          </a:p>
-          <a:p>
-            <a:pPr lvl="1"/>
-            <a:r>
-              <a:rPr lang="de-DE" smtClean="0"/>
+            <a:pPr lvl="0" eaLnBrk="1" latinLnBrk="0" hangingPunct="1"/>
+            <a:r>
+              <a:rPr lang="de-DE"/>
+              <a:t>Mastertextformat bearbeiten</a:t>
+            </a:r>
+          </a:p>
+          <a:p>
+            <a:pPr lvl="1" eaLnBrk="1" latinLnBrk="0" hangingPunct="1"/>
+            <a:r>
+              <a:rPr lang="de-DE"/>
               <a:t>Zweite Ebene</a:t>
             </a:r>
           </a:p>
           <a:p>
-            <a:pPr lvl="2"/>
-            <a:r>
-              <a:rPr lang="de-DE" smtClean="0"/>
+            <a:pPr lvl="2" eaLnBrk="1" latinLnBrk="0" hangingPunct="1"/>
+            <a:r>
+              <a:rPr lang="de-DE"/>
               <a:t>Dritte Ebene</a:t>
             </a:r>
           </a:p>
           <a:p>
-            <a:pPr lvl="3"/>
-            <a:r>
-              <a:rPr lang="de-DE" smtClean="0"/>
+            <a:pPr lvl="3" eaLnBrk="1" latinLnBrk="0" hangingPunct="1"/>
+            <a:r>
+              <a:rPr lang="de-DE"/>
               <a:t>Vierte Ebene</a:t>
             </a:r>
           </a:p>
           <a:p>
-            <a:pPr lvl="4"/>
-            <a:r>
-              <a:rPr lang="de-DE" smtClean="0"/>
+            <a:pPr lvl="4" eaLnBrk="1" latinLnBrk="0" hangingPunct="1"/>
+            <a:r>
+              <a:rPr lang="de-DE"/>
               <a:t>Fünfte Ebene</a:t>
             </a:r>
-            <a:endParaRPr lang="de-DE"/>
+            <a:endParaRPr kumimoji="0" lang="en-US"/>
           </a:p>
         </p:txBody>
       </p:sp>
@@ -758,7 +1042,7 @@
           <a:p>
             <a:fld id="{209A490C-0BF1-4910-AEA8-1E4A24D4238C}" type="datetimeFigureOut">
               <a:rPr lang="de-DE" smtClean="0"/>
-              <a:t>26.01.2018</a:t>
+              <a:t>28.01.2018</a:t>
             </a:fld>
             <a:endParaRPr lang="de-DE"/>
           </a:p>
@@ -809,7 +1093,7 @@
     </p:spTree>
     <p:extLst>
       <p:ext uri="{BB962C8B-B14F-4D97-AF65-F5344CB8AC3E}">
-        <p14:creationId xmlns:p14="http://schemas.microsoft.com/office/powerpoint/2010/main" val="111081136"/>
+        <p14:creationId xmlns:p14="http://schemas.microsoft.com/office/powerpoint/2010/main" val="2796213912"/>
       </p:ext>
     </p:extLst>
   </p:cSld>
@@ -820,8 +1104,13 @@
 </file>
 
 <file path=ppt/slideLayouts/slideLayout3.xml><?xml version="1.0" encoding="utf-8"?>
-<p:sldLayout xmlns:a="http://schemas.openxmlformats.org/drawingml/2006/main" xmlns:r="http://schemas.openxmlformats.org/officeDocument/2006/relationships" xmlns:p="http://schemas.openxmlformats.org/presentationml/2006/main" type="secHead" preserve="1">
+<p:sldLayout xmlns:a="http://schemas.openxmlformats.org/drawingml/2006/main" xmlns:r="http://schemas.openxmlformats.org/officeDocument/2006/relationships" xmlns:p="http://schemas.openxmlformats.org/presentationml/2006/main" showMasterSp="0" type="secHead" preserve="1">
   <p:cSld name="Abschnitts-&#10;überschrift">
+    <p:bg>
+      <p:bgRef idx="1002">
+        <a:schemeClr val="bg2"/>
+      </p:bgRef>
+    </p:bg>
     <p:spTree>
       <p:nvGrpSpPr>
         <p:cNvPr id="1" name=""/>
@@ -838,6 +1127,103 @@
       </p:grpSpPr>
       <p:sp>
         <p:nvSpPr>
+          <p:cNvPr id="9" name="Rechteck 8"/>
+          <p:cNvSpPr/>
+          <p:nvPr/>
+        </p:nvSpPr>
+        <p:spPr bwMode="ltGray">
+          <a:xfrm>
+            <a:off x="0" y="1"/>
+            <a:ext cx="12192000" cy="2602520"/>
+          </a:xfrm>
+          <a:prstGeom prst="rect">
+            <a:avLst/>
+          </a:prstGeom>
+          <a:solidFill>
+            <a:srgbClr val="000000"/>
+          </a:solidFill>
+          <a:ln w="48000" cap="flat" cmpd="thickThin" algn="ctr">
+            <a:noFill/>
+            <a:prstDash val="solid"/>
+          </a:ln>
+        </p:spPr>
+        <p:style>
+          <a:lnRef idx="2">
+            <a:schemeClr val="accent1"/>
+          </a:lnRef>
+          <a:fillRef idx="1">
+            <a:schemeClr val="accent1"/>
+          </a:fillRef>
+          <a:effectRef idx="0">
+            <a:schemeClr val="accent1"/>
+          </a:effectRef>
+          <a:fontRef idx="minor">
+            <a:schemeClr val="lt1"/>
+          </a:fontRef>
+        </p:style>
+        <p:txBody>
+          <a:bodyPr rtlCol="0" anchor="ctr"/>
+          <a:lstStyle/>
+          <a:p>
+            <a:pPr algn="ctr" eaLnBrk="1" latinLnBrk="0" hangingPunct="1"/>
+            <a:endParaRPr kumimoji="0" lang="en-US" sz="1800"/>
+          </a:p>
+        </p:txBody>
+      </p:sp>
+      <p:sp>
+        <p:nvSpPr>
+          <p:cNvPr id="12" name="Rechteck 11"/>
+          <p:cNvSpPr/>
+          <p:nvPr/>
+        </p:nvSpPr>
+        <p:spPr bwMode="invGray">
+          <a:xfrm>
+            <a:off x="0" y="2602520"/>
+            <a:ext cx="12192000" cy="45720"/>
+          </a:xfrm>
+          <a:prstGeom prst="rect">
+            <a:avLst/>
+          </a:prstGeom>
+          <a:solidFill>
+            <a:srgbClr val="FFFFFF"/>
+          </a:solidFill>
+          <a:ln w="48000" cap="flat" cmpd="thickThin" algn="ctr">
+            <a:noFill/>
+            <a:prstDash val="solid"/>
+          </a:ln>
+          <a:effectLst>
+            <a:outerShdw blurRad="31750" dist="10160" dir="5400000" algn="tl" rotWithShape="0">
+              <a:srgbClr val="000000">
+                <a:alpha val="60000"/>
+              </a:srgbClr>
+            </a:outerShdw>
+          </a:effectLst>
+        </p:spPr>
+        <p:style>
+          <a:lnRef idx="2">
+            <a:schemeClr val="accent1"/>
+          </a:lnRef>
+          <a:fillRef idx="1">
+            <a:schemeClr val="accent1"/>
+          </a:fillRef>
+          <a:effectRef idx="0">
+            <a:schemeClr val="accent1"/>
+          </a:effectRef>
+          <a:fontRef idx="minor">
+            <a:schemeClr val="lt1"/>
+          </a:fontRef>
+        </p:style>
+        <p:txBody>
+          <a:bodyPr rtlCol="0" anchor="ctr"/>
+          <a:lstStyle/>
+          <a:p>
+            <a:pPr algn="ctr" eaLnBrk="1" latinLnBrk="0" hangingPunct="1"/>
+            <a:endParaRPr kumimoji="0" lang="en-US" sz="1800"/>
+          </a:p>
+        </p:txBody>
+      </p:sp>
+      <p:sp>
+        <p:nvSpPr>
           <p:cNvPr id="2" name="Titel 1"/>
           <p:cNvSpPr>
             <a:spLocks noGrp="1"/>
@@ -848,23 +1234,35 @@
         </p:nvSpPr>
         <p:spPr>
           <a:xfrm>
-            <a:off x="831850" y="1709738"/>
-            <a:ext cx="10515600" cy="2852737"/>
+            <a:off x="999744" y="118872"/>
+            <a:ext cx="10684256" cy="1636776"/>
           </a:xfrm>
         </p:spPr>
         <p:txBody>
-          <a:bodyPr anchor="b"/>
+          <a:bodyPr vert="horz" lIns="91440" tIns="0" rIns="91440" bIns="0" rtlCol="0" anchor="b">
+            <a:normAutofit/>
+            <a:scene3d>
+              <a:camera prst="orthographicFront"/>
+              <a:lightRig rig="threePt" dir="t">
+                <a:rot lat="0" lon="0" rev="4800000"/>
+              </a:lightRig>
+            </a:scene3d>
+            <a:sp3d prstMaterial="matte">
+              <a:bevelT w="50800" h="10160"/>
+            </a:sp3d>
+          </a:bodyPr>
           <a:lstStyle>
-            <a:lvl1pPr>
-              <a:defRPr sz="6000"/>
+            <a:lvl1pPr algn="l">
+              <a:defRPr sz="4700" b="1" cap="none" baseline="0"/>
             </a:lvl1pPr>
+            <a:extLst/>
           </a:lstStyle>
           <a:p>
             <a:r>
-              <a:rPr lang="de-DE" smtClean="0"/>
-              <a:t>Titelmasterformat durch Klicken bearbeiten</a:t>
-            </a:r>
-            <a:endParaRPr lang="de-DE"/>
+              <a:rPr kumimoji="0" lang="de-DE"/>
+              <a:t>Mastertitelformat bearbeiten</a:t>
+            </a:r>
+            <a:endParaRPr kumimoji="0" lang="en-US"/>
           </a:p>
         </p:txBody>
       </p:sp>
@@ -880,26 +1278,24 @@
         </p:nvSpPr>
         <p:spPr>
           <a:xfrm>
-            <a:off x="831850" y="4589463"/>
-            <a:ext cx="10515600" cy="1500187"/>
+            <a:off x="987552" y="1828800"/>
+            <a:ext cx="10696448" cy="685800"/>
           </a:xfrm>
         </p:spPr>
         <p:txBody>
-          <a:bodyPr/>
+          <a:bodyPr lIns="146304" tIns="0" rIns="45720" bIns="0" anchor="t"/>
           <a:lstStyle>
             <a:lvl1pPr marL="0" indent="0">
               <a:buNone/>
-              <a:defRPr sz="2400">
+              <a:defRPr sz="2000">
                 <a:solidFill>
-                  <a:schemeClr val="tx1">
-                    <a:tint val="75000"/>
-                  </a:schemeClr>
+                  <a:srgbClr val="FFFFFF"/>
                 </a:solidFill>
               </a:defRPr>
             </a:lvl1pPr>
             <a:lvl2pPr marL="457200" indent="0">
               <a:buNone/>
-              <a:defRPr sz="2000">
+              <a:defRPr sz="1800">
                 <a:solidFill>
                   <a:schemeClr val="tx1">
                     <a:tint val="75000"/>
@@ -909,7 +1305,7 @@
             </a:lvl2pPr>
             <a:lvl3pPr marL="914400" indent="0">
               <a:buNone/>
-              <a:defRPr sz="1800">
+              <a:defRPr sz="1600">
                 <a:solidFill>
                   <a:schemeClr val="tx1">
                     <a:tint val="75000"/>
@@ -919,7 +1315,7 @@
             </a:lvl3pPr>
             <a:lvl4pPr marL="1371600" indent="0">
               <a:buNone/>
-              <a:defRPr sz="1600">
+              <a:defRPr sz="1400">
                 <a:solidFill>
                   <a:schemeClr val="tx1">
                     <a:tint val="75000"/>
@@ -929,7 +1325,7 @@
             </a:lvl4pPr>
             <a:lvl5pPr marL="1828800" indent="0">
               <a:buNone/>
-              <a:defRPr sz="1600">
+              <a:defRPr sz="1400">
                 <a:solidFill>
                   <a:schemeClr val="tx1">
                     <a:tint val="75000"/>
@@ -939,7 +1335,7 @@
             </a:lvl5pPr>
             <a:lvl6pPr marL="2286000" indent="0">
               <a:buNone/>
-              <a:defRPr sz="1600">
+              <a:defRPr sz="1400">
                 <a:solidFill>
                   <a:schemeClr val="tx1">
                     <a:tint val="75000"/>
@@ -949,7 +1345,7 @@
             </a:lvl6pPr>
             <a:lvl7pPr marL="2743200" indent="0">
               <a:buNone/>
-              <a:defRPr sz="1600">
+              <a:defRPr sz="1400">
                 <a:solidFill>
                   <a:schemeClr val="tx1">
                     <a:tint val="75000"/>
@@ -959,7 +1355,7 @@
             </a:lvl7pPr>
             <a:lvl8pPr marL="3200400" indent="0">
               <a:buNone/>
-              <a:defRPr sz="1600">
+              <a:defRPr sz="1400">
                 <a:solidFill>
                   <a:schemeClr val="tx1">
                     <a:tint val="75000"/>
@@ -969,7 +1365,7 @@
             </a:lvl8pPr>
             <a:lvl9pPr marL="3657600" indent="0">
               <a:buNone/>
-              <a:defRPr sz="1600">
+              <a:defRPr sz="1400">
                 <a:solidFill>
                   <a:schemeClr val="tx1">
                     <a:tint val="75000"/>
@@ -977,12 +1373,13 @@
                 </a:solidFill>
               </a:defRPr>
             </a:lvl9pPr>
+            <a:extLst/>
           </a:lstStyle>
           <a:p>
-            <a:pPr lvl="0"/>
-            <a:r>
-              <a:rPr lang="de-DE" smtClean="0"/>
-              <a:t>Formatvorlagen des Textmasters bearbeiten</a:t>
+            <a:pPr lvl="0" eaLnBrk="1" latinLnBrk="0" hangingPunct="1"/>
+            <a:r>
+              <a:rPr kumimoji="0" lang="de-DE"/>
+              <a:t>Mastertextformat bearbeiten</a:t>
             </a:r>
           </a:p>
         </p:txBody>
@@ -1004,7 +1401,7 @@
           <a:p>
             <a:fld id="{209A490C-0BF1-4910-AEA8-1E4A24D4238C}" type="datetimeFigureOut">
               <a:rPr lang="de-DE" smtClean="0"/>
-              <a:t>26.01.2018</a:t>
+              <a:t>28.01.2018</a:t>
             </a:fld>
             <a:endParaRPr lang="de-DE"/>
           </a:p>
@@ -1055,12 +1452,12 @@
     </p:spTree>
     <p:extLst>
       <p:ext uri="{BB962C8B-B14F-4D97-AF65-F5344CB8AC3E}">
-        <p14:creationId xmlns:p14="http://schemas.microsoft.com/office/powerpoint/2010/main" val="853090758"/>
+        <p14:creationId xmlns:p14="http://schemas.microsoft.com/office/powerpoint/2010/main" val="3406890713"/>
       </p:ext>
     </p:extLst>
   </p:cSld>
   <p:clrMapOvr>
-    <a:masterClrMapping/>
+    <a:overrideClrMapping bg1="dk1" tx1="lt1" bg2="dk2" tx2="lt2" accent1="accent1" accent2="accent2" accent3="accent3" accent4="accent4" accent5="accent5" accent6="accent6" hlink="hlink" folHlink="folHlink"/>
   </p:clrMapOvr>
 </p:sldLayout>
 </file>
@@ -1098,10 +1495,10 @@
           <a:lstStyle/>
           <a:p>
             <a:r>
-              <a:rPr lang="de-DE" smtClean="0"/>
-              <a:t>Titelmasterformat durch Klicken bearbeiten</a:t>
-            </a:r>
-            <a:endParaRPr lang="de-DE"/>
+              <a:rPr kumimoji="0" lang="de-DE"/>
+              <a:t>Mastertitelformat bearbeiten</a:t>
+            </a:r>
+            <a:endParaRPr kumimoji="0" lang="en-US"/>
           </a:p>
         </p:txBody>
       </p:sp>
@@ -1117,48 +1514,77 @@
         </p:nvSpPr>
         <p:spPr>
           <a:xfrm>
-            <a:off x="838200" y="1825625"/>
-            <a:ext cx="5181600" cy="4351338"/>
+            <a:off x="609600" y="1773936"/>
+            <a:ext cx="5384800" cy="4623816"/>
           </a:xfrm>
         </p:spPr>
         <p:txBody>
-          <a:bodyPr/>
-          <a:lstStyle/>
-          <a:p>
-            <a:pPr lvl="0"/>
-            <a:r>
-              <a:rPr lang="de-DE" smtClean="0"/>
-              <a:t>Formatvorlagen des Textmasters bearbeiten</a:t>
-            </a:r>
-          </a:p>
-          <a:p>
-            <a:pPr lvl="1"/>
-            <a:r>
-              <a:rPr lang="de-DE" smtClean="0"/>
+          <a:bodyPr lIns="91440"/>
+          <a:lstStyle>
+            <a:lvl1pPr>
+              <a:defRPr sz="2800"/>
+            </a:lvl1pPr>
+            <a:lvl2pPr>
+              <a:defRPr sz="2400"/>
+            </a:lvl2pPr>
+            <a:lvl3pPr>
+              <a:defRPr sz="2000"/>
+            </a:lvl3pPr>
+            <a:lvl4pPr>
+              <a:defRPr sz="1800"/>
+            </a:lvl4pPr>
+            <a:lvl5pPr>
+              <a:defRPr sz="1800"/>
+            </a:lvl5pPr>
+            <a:lvl6pPr>
+              <a:defRPr sz="1800"/>
+            </a:lvl6pPr>
+            <a:lvl7pPr>
+              <a:defRPr sz="1800"/>
+            </a:lvl7pPr>
+            <a:lvl8pPr>
+              <a:defRPr sz="1800"/>
+            </a:lvl8pPr>
+            <a:lvl9pPr>
+              <a:defRPr sz="1800"/>
+            </a:lvl9pPr>
+            <a:extLst/>
+          </a:lstStyle>
+          <a:p>
+            <a:pPr lvl="0" eaLnBrk="1" latinLnBrk="0" hangingPunct="1"/>
+            <a:r>
+              <a:rPr lang="de-DE"/>
+              <a:t>Mastertextformat bearbeiten</a:t>
+            </a:r>
+          </a:p>
+          <a:p>
+            <a:pPr lvl="1" eaLnBrk="1" latinLnBrk="0" hangingPunct="1"/>
+            <a:r>
+              <a:rPr lang="de-DE"/>
               <a:t>Zweite Ebene</a:t>
             </a:r>
           </a:p>
           <a:p>
-            <a:pPr lvl="2"/>
-            <a:r>
-              <a:rPr lang="de-DE" smtClean="0"/>
+            <a:pPr lvl="2" eaLnBrk="1" latinLnBrk="0" hangingPunct="1"/>
+            <a:r>
+              <a:rPr lang="de-DE"/>
               <a:t>Dritte Ebene</a:t>
             </a:r>
           </a:p>
           <a:p>
-            <a:pPr lvl="3"/>
-            <a:r>
-              <a:rPr lang="de-DE" smtClean="0"/>
+            <a:pPr lvl="3" eaLnBrk="1" latinLnBrk="0" hangingPunct="1"/>
+            <a:r>
+              <a:rPr lang="de-DE"/>
               <a:t>Vierte Ebene</a:t>
             </a:r>
           </a:p>
           <a:p>
-            <a:pPr lvl="4"/>
-            <a:r>
-              <a:rPr lang="de-DE" smtClean="0"/>
+            <a:pPr lvl="4" eaLnBrk="1" latinLnBrk="0" hangingPunct="1"/>
+            <a:r>
+              <a:rPr lang="de-DE"/>
               <a:t>Fünfte Ebene</a:t>
             </a:r>
-            <a:endParaRPr lang="de-DE"/>
+            <a:endParaRPr kumimoji="0" lang="en-US"/>
           </a:p>
         </p:txBody>
       </p:sp>
@@ -1174,48 +1600,77 @@
         </p:nvSpPr>
         <p:spPr>
           <a:xfrm>
-            <a:off x="6172200" y="1825625"/>
-            <a:ext cx="5181600" cy="4351338"/>
+            <a:off x="6197600" y="1773936"/>
+            <a:ext cx="5384800" cy="4623816"/>
           </a:xfrm>
         </p:spPr>
         <p:txBody>
           <a:bodyPr/>
-          <a:lstStyle/>
-          <a:p>
-            <a:pPr lvl="0"/>
-            <a:r>
-              <a:rPr lang="de-DE" smtClean="0"/>
-              <a:t>Formatvorlagen des Textmasters bearbeiten</a:t>
-            </a:r>
-          </a:p>
-          <a:p>
-            <a:pPr lvl="1"/>
-            <a:r>
-              <a:rPr lang="de-DE" smtClean="0"/>
+          <a:lstStyle>
+            <a:lvl1pPr>
+              <a:defRPr sz="2800"/>
+            </a:lvl1pPr>
+            <a:lvl2pPr>
+              <a:defRPr sz="2400"/>
+            </a:lvl2pPr>
+            <a:lvl3pPr>
+              <a:defRPr sz="2000"/>
+            </a:lvl3pPr>
+            <a:lvl4pPr>
+              <a:defRPr sz="1800"/>
+            </a:lvl4pPr>
+            <a:lvl5pPr>
+              <a:defRPr sz="1800"/>
+            </a:lvl5pPr>
+            <a:lvl6pPr>
+              <a:defRPr sz="1800"/>
+            </a:lvl6pPr>
+            <a:lvl7pPr>
+              <a:defRPr sz="1800"/>
+            </a:lvl7pPr>
+            <a:lvl8pPr>
+              <a:defRPr sz="1800"/>
+            </a:lvl8pPr>
+            <a:lvl9pPr>
+              <a:defRPr sz="1800"/>
+            </a:lvl9pPr>
+            <a:extLst/>
+          </a:lstStyle>
+          <a:p>
+            <a:pPr lvl="0" eaLnBrk="1" latinLnBrk="0" hangingPunct="1"/>
+            <a:r>
+              <a:rPr lang="de-DE"/>
+              <a:t>Mastertextformat bearbeiten</a:t>
+            </a:r>
+          </a:p>
+          <a:p>
+            <a:pPr lvl="1" eaLnBrk="1" latinLnBrk="0" hangingPunct="1"/>
+            <a:r>
+              <a:rPr lang="de-DE"/>
               <a:t>Zweite Ebene</a:t>
             </a:r>
           </a:p>
           <a:p>
-            <a:pPr lvl="2"/>
-            <a:r>
-              <a:rPr lang="de-DE" smtClean="0"/>
+            <a:pPr lvl="2" eaLnBrk="1" latinLnBrk="0" hangingPunct="1"/>
+            <a:r>
+              <a:rPr lang="de-DE"/>
               <a:t>Dritte Ebene</a:t>
             </a:r>
           </a:p>
           <a:p>
-            <a:pPr lvl="3"/>
-            <a:r>
-              <a:rPr lang="de-DE" smtClean="0"/>
+            <a:pPr lvl="3" eaLnBrk="1" latinLnBrk="0" hangingPunct="1"/>
+            <a:r>
+              <a:rPr lang="de-DE"/>
               <a:t>Vierte Ebene</a:t>
             </a:r>
           </a:p>
           <a:p>
-            <a:pPr lvl="4"/>
-            <a:r>
-              <a:rPr lang="de-DE" smtClean="0"/>
+            <a:pPr lvl="4" eaLnBrk="1" latinLnBrk="0" hangingPunct="1"/>
+            <a:r>
+              <a:rPr lang="de-DE"/>
               <a:t>Fünfte Ebene</a:t>
             </a:r>
-            <a:endParaRPr lang="de-DE"/>
+            <a:endParaRPr kumimoji="0" lang="en-US"/>
           </a:p>
         </p:txBody>
       </p:sp>
@@ -1236,7 +1691,7 @@
           <a:p>
             <a:fld id="{209A490C-0BF1-4910-AEA8-1E4A24D4238C}" type="datetimeFigureOut">
               <a:rPr lang="de-DE" smtClean="0"/>
-              <a:t>26.01.2018</a:t>
+              <a:t>28.01.2018</a:t>
             </a:fld>
             <a:endParaRPr lang="de-DE"/>
           </a:p>
@@ -1287,7 +1742,7 @@
     </p:spTree>
     <p:extLst>
       <p:ext uri="{BB962C8B-B14F-4D97-AF65-F5344CB8AC3E}">
-        <p14:creationId xmlns:p14="http://schemas.microsoft.com/office/powerpoint/2010/main" val="1579601185"/>
+        <p14:creationId xmlns:p14="http://schemas.microsoft.com/office/powerpoint/2010/main" val="1798713757"/>
       </p:ext>
     </p:extLst>
   </p:cSld>
@@ -1324,46 +1779,46 @@
             <p:ph type="title"/>
           </p:nvPr>
         </p:nvSpPr>
+        <p:spPr/>
+        <p:txBody>
+          <a:bodyPr/>
+          <a:lstStyle>
+            <a:lvl1pPr>
+              <a:defRPr/>
+            </a:lvl1pPr>
+            <a:extLst/>
+          </a:lstStyle>
+          <a:p>
+            <a:r>
+              <a:rPr kumimoji="0" lang="de-DE"/>
+              <a:t>Mastertitelformat bearbeiten</a:t>
+            </a:r>
+            <a:endParaRPr kumimoji="0" lang="en-US"/>
+          </a:p>
+        </p:txBody>
+      </p:sp>
+      <p:sp>
+        <p:nvSpPr>
+          <p:cNvPr id="3" name="Textplatzhalter 2"/>
+          <p:cNvSpPr>
+            <a:spLocks noGrp="1"/>
+          </p:cNvSpPr>
+          <p:nvPr>
+            <p:ph type="body" idx="1"/>
+          </p:nvPr>
+        </p:nvSpPr>
         <p:spPr>
           <a:xfrm>
-            <a:off x="839788" y="365125"/>
-            <a:ext cx="10515600" cy="1325563"/>
+            <a:off x="609600" y="1698988"/>
+            <a:ext cx="5386917" cy="715355"/>
           </a:xfrm>
         </p:spPr>
         <p:txBody>
-          <a:bodyPr/>
-          <a:lstStyle/>
-          <a:p>
-            <a:r>
-              <a:rPr lang="de-DE" smtClean="0"/>
-              <a:t>Titelmasterformat durch Klicken bearbeiten</a:t>
-            </a:r>
-            <a:endParaRPr lang="de-DE"/>
-          </a:p>
-        </p:txBody>
-      </p:sp>
-      <p:sp>
-        <p:nvSpPr>
-          <p:cNvPr id="3" name="Textplatzhalter 2"/>
-          <p:cNvSpPr>
-            <a:spLocks noGrp="1"/>
-          </p:cNvSpPr>
-          <p:nvPr>
-            <p:ph type="body" idx="1"/>
-          </p:nvPr>
-        </p:nvSpPr>
-        <p:spPr>
-          <a:xfrm>
-            <a:off x="839788" y="1681163"/>
-            <a:ext cx="5157787" cy="823912"/>
-          </a:xfrm>
-        </p:spPr>
-        <p:txBody>
-          <a:bodyPr anchor="b"/>
+          <a:bodyPr lIns="146304" anchor="ctr"/>
           <a:lstStyle>
             <a:lvl1pPr marL="0" indent="0">
               <a:buNone/>
-              <a:defRPr sz="2400" b="1"/>
+              <a:defRPr sz="2300" b="1" cap="all" baseline="0"/>
             </a:lvl1pPr>
             <a:lvl2pPr marL="457200" indent="0">
               <a:buNone/>
@@ -1397,12 +1852,13 @@
               <a:buNone/>
               <a:defRPr sz="1600" b="1"/>
             </a:lvl9pPr>
+            <a:extLst/>
           </a:lstStyle>
           <a:p>
-            <a:pPr lvl="0"/>
-            <a:r>
-              <a:rPr lang="de-DE" smtClean="0"/>
-              <a:t>Formatvorlagen des Textmasters bearbeiten</a:t>
+            <a:pPr lvl="0" eaLnBrk="1" latinLnBrk="0" hangingPunct="1"/>
+            <a:r>
+              <a:rPr kumimoji="0" lang="de-DE"/>
+              <a:t>Mastertextformat bearbeiten</a:t>
             </a:r>
           </a:p>
         </p:txBody>
@@ -1419,48 +1875,77 @@
         </p:nvSpPr>
         <p:spPr>
           <a:xfrm>
-            <a:off x="839788" y="2505075"/>
-            <a:ext cx="5157787" cy="3684588"/>
+            <a:off x="609600" y="2449512"/>
+            <a:ext cx="5386917" cy="3951288"/>
           </a:xfrm>
         </p:spPr>
         <p:txBody>
           <a:bodyPr/>
-          <a:lstStyle/>
-          <a:p>
-            <a:pPr lvl="0"/>
-            <a:r>
-              <a:rPr lang="de-DE" smtClean="0"/>
-              <a:t>Formatvorlagen des Textmasters bearbeiten</a:t>
-            </a:r>
-          </a:p>
-          <a:p>
-            <a:pPr lvl="1"/>
-            <a:r>
-              <a:rPr lang="de-DE" smtClean="0"/>
+          <a:lstStyle>
+            <a:lvl1pPr>
+              <a:defRPr sz="2400"/>
+            </a:lvl1pPr>
+            <a:lvl2pPr>
+              <a:defRPr sz="2000"/>
+            </a:lvl2pPr>
+            <a:lvl3pPr>
+              <a:defRPr sz="1800"/>
+            </a:lvl3pPr>
+            <a:lvl4pPr>
+              <a:defRPr sz="1600"/>
+            </a:lvl4pPr>
+            <a:lvl5pPr>
+              <a:defRPr sz="1600"/>
+            </a:lvl5pPr>
+            <a:lvl6pPr>
+              <a:defRPr sz="1600"/>
+            </a:lvl6pPr>
+            <a:lvl7pPr>
+              <a:defRPr sz="1600"/>
+            </a:lvl7pPr>
+            <a:lvl8pPr>
+              <a:defRPr sz="1600"/>
+            </a:lvl8pPr>
+            <a:lvl9pPr>
+              <a:defRPr sz="1600"/>
+            </a:lvl9pPr>
+            <a:extLst/>
+          </a:lstStyle>
+          <a:p>
+            <a:pPr lvl="0" eaLnBrk="1" latinLnBrk="0" hangingPunct="1"/>
+            <a:r>
+              <a:rPr lang="de-DE"/>
+              <a:t>Mastertextformat bearbeiten</a:t>
+            </a:r>
+          </a:p>
+          <a:p>
+            <a:pPr lvl="1" eaLnBrk="1" latinLnBrk="0" hangingPunct="1"/>
+            <a:r>
+              <a:rPr lang="de-DE"/>
               <a:t>Zweite Ebene</a:t>
             </a:r>
           </a:p>
           <a:p>
-            <a:pPr lvl="2"/>
-            <a:r>
-              <a:rPr lang="de-DE" smtClean="0"/>
+            <a:pPr lvl="2" eaLnBrk="1" latinLnBrk="0" hangingPunct="1"/>
+            <a:r>
+              <a:rPr lang="de-DE"/>
               <a:t>Dritte Ebene</a:t>
             </a:r>
           </a:p>
           <a:p>
-            <a:pPr lvl="3"/>
-            <a:r>
-              <a:rPr lang="de-DE" smtClean="0"/>
+            <a:pPr lvl="3" eaLnBrk="1" latinLnBrk="0" hangingPunct="1"/>
+            <a:r>
+              <a:rPr lang="de-DE"/>
               <a:t>Vierte Ebene</a:t>
             </a:r>
           </a:p>
           <a:p>
-            <a:pPr lvl="4"/>
-            <a:r>
-              <a:rPr lang="de-DE" smtClean="0"/>
+            <a:pPr lvl="4" eaLnBrk="1" latinLnBrk="0" hangingPunct="1"/>
+            <a:r>
+              <a:rPr lang="de-DE"/>
               <a:t>Fünfte Ebene</a:t>
             </a:r>
-            <a:endParaRPr lang="de-DE"/>
+            <a:endParaRPr kumimoji="0" lang="en-US"/>
           </a:p>
         </p:txBody>
       </p:sp>
@@ -1476,16 +1961,16 @@
         </p:nvSpPr>
         <p:spPr>
           <a:xfrm>
-            <a:off x="6172200" y="1681163"/>
-            <a:ext cx="5183188" cy="823912"/>
+            <a:off x="6193368" y="1698988"/>
+            <a:ext cx="5389033" cy="715355"/>
           </a:xfrm>
         </p:spPr>
         <p:txBody>
-          <a:bodyPr anchor="b"/>
+          <a:bodyPr lIns="146304" anchor="ctr"/>
           <a:lstStyle>
             <a:lvl1pPr marL="0" indent="0">
               <a:buNone/>
-              <a:defRPr sz="2400" b="1"/>
+              <a:defRPr sz="2300" b="1" cap="all" baseline="0"/>
             </a:lvl1pPr>
             <a:lvl2pPr marL="457200" indent="0">
               <a:buNone/>
@@ -1519,12 +2004,13 @@
               <a:buNone/>
               <a:defRPr sz="1600" b="1"/>
             </a:lvl9pPr>
+            <a:extLst/>
           </a:lstStyle>
           <a:p>
-            <a:pPr lvl="0"/>
-            <a:r>
-              <a:rPr lang="de-DE" smtClean="0"/>
-              <a:t>Formatvorlagen des Textmasters bearbeiten</a:t>
+            <a:pPr lvl="0" eaLnBrk="1" latinLnBrk="0" hangingPunct="1"/>
+            <a:r>
+              <a:rPr kumimoji="0" lang="de-DE"/>
+              <a:t>Mastertextformat bearbeiten</a:t>
             </a:r>
           </a:p>
         </p:txBody>
@@ -1541,48 +2027,77 @@
         </p:nvSpPr>
         <p:spPr>
           <a:xfrm>
-            <a:off x="6172200" y="2505075"/>
-            <a:ext cx="5183188" cy="3684588"/>
+            <a:off x="6193368" y="2449512"/>
+            <a:ext cx="5389033" cy="3951288"/>
           </a:xfrm>
         </p:spPr>
         <p:txBody>
           <a:bodyPr/>
-          <a:lstStyle/>
-          <a:p>
-            <a:pPr lvl="0"/>
-            <a:r>
-              <a:rPr lang="de-DE" smtClean="0"/>
-              <a:t>Formatvorlagen des Textmasters bearbeiten</a:t>
-            </a:r>
-          </a:p>
-          <a:p>
-            <a:pPr lvl="1"/>
-            <a:r>
-              <a:rPr lang="de-DE" smtClean="0"/>
+          <a:lstStyle>
+            <a:lvl1pPr>
+              <a:defRPr sz="2400"/>
+            </a:lvl1pPr>
+            <a:lvl2pPr>
+              <a:defRPr sz="2000"/>
+            </a:lvl2pPr>
+            <a:lvl3pPr>
+              <a:defRPr sz="1800"/>
+            </a:lvl3pPr>
+            <a:lvl4pPr>
+              <a:defRPr sz="1600"/>
+            </a:lvl4pPr>
+            <a:lvl5pPr>
+              <a:defRPr sz="1600"/>
+            </a:lvl5pPr>
+            <a:lvl6pPr>
+              <a:defRPr sz="1600"/>
+            </a:lvl6pPr>
+            <a:lvl7pPr>
+              <a:defRPr sz="1600"/>
+            </a:lvl7pPr>
+            <a:lvl8pPr>
+              <a:defRPr sz="1600"/>
+            </a:lvl8pPr>
+            <a:lvl9pPr>
+              <a:defRPr sz="1600"/>
+            </a:lvl9pPr>
+            <a:extLst/>
+          </a:lstStyle>
+          <a:p>
+            <a:pPr lvl="0" eaLnBrk="1" latinLnBrk="0" hangingPunct="1"/>
+            <a:r>
+              <a:rPr lang="de-DE"/>
+              <a:t>Mastertextformat bearbeiten</a:t>
+            </a:r>
+          </a:p>
+          <a:p>
+            <a:pPr lvl="1" eaLnBrk="1" latinLnBrk="0" hangingPunct="1"/>
+            <a:r>
+              <a:rPr lang="de-DE"/>
               <a:t>Zweite Ebene</a:t>
             </a:r>
           </a:p>
           <a:p>
-            <a:pPr lvl="2"/>
-            <a:r>
-              <a:rPr lang="de-DE" smtClean="0"/>
+            <a:pPr lvl="2" eaLnBrk="1" latinLnBrk="0" hangingPunct="1"/>
+            <a:r>
+              <a:rPr lang="de-DE"/>
               <a:t>Dritte Ebene</a:t>
             </a:r>
           </a:p>
           <a:p>
-            <a:pPr lvl="3"/>
-            <a:r>
-              <a:rPr lang="de-DE" smtClean="0"/>
+            <a:pPr lvl="3" eaLnBrk="1" latinLnBrk="0" hangingPunct="1"/>
+            <a:r>
+              <a:rPr lang="de-DE"/>
               <a:t>Vierte Ebene</a:t>
             </a:r>
           </a:p>
           <a:p>
-            <a:pPr lvl="4"/>
-            <a:r>
-              <a:rPr lang="de-DE" smtClean="0"/>
+            <a:pPr lvl="4" eaLnBrk="1" latinLnBrk="0" hangingPunct="1"/>
+            <a:r>
+              <a:rPr lang="de-DE"/>
               <a:t>Fünfte Ebene</a:t>
             </a:r>
-            <a:endParaRPr lang="de-DE"/>
+            <a:endParaRPr kumimoji="0" lang="en-US"/>
           </a:p>
         </p:txBody>
       </p:sp>
@@ -1603,7 +2118,7 @@
           <a:p>
             <a:fld id="{209A490C-0BF1-4910-AEA8-1E4A24D4238C}" type="datetimeFigureOut">
               <a:rPr lang="de-DE" smtClean="0"/>
-              <a:t>26.01.2018</a:t>
+              <a:t>28.01.2018</a:t>
             </a:fld>
             <a:endParaRPr lang="de-DE"/>
           </a:p>
@@ -1654,7 +2169,7 @@
     </p:spTree>
     <p:extLst>
       <p:ext uri="{BB962C8B-B14F-4D97-AF65-F5344CB8AC3E}">
-        <p14:creationId xmlns:p14="http://schemas.microsoft.com/office/powerpoint/2010/main" val="1420348652"/>
+        <p14:creationId xmlns:p14="http://schemas.microsoft.com/office/powerpoint/2010/main" val="575169011"/>
       </p:ext>
     </p:extLst>
   </p:cSld>
@@ -1697,10 +2212,10 @@
           <a:lstStyle/>
           <a:p>
             <a:r>
-              <a:rPr lang="de-DE" smtClean="0"/>
-              <a:t>Titelmasterformat durch Klicken bearbeiten</a:t>
-            </a:r>
-            <a:endParaRPr lang="de-DE"/>
+              <a:rPr kumimoji="0" lang="de-DE"/>
+              <a:t>Mastertitelformat bearbeiten</a:t>
+            </a:r>
+            <a:endParaRPr kumimoji="0" lang="en-US"/>
           </a:p>
         </p:txBody>
       </p:sp>
@@ -1721,7 +2236,7 @@
           <a:p>
             <a:fld id="{209A490C-0BF1-4910-AEA8-1E4A24D4238C}" type="datetimeFigureOut">
               <a:rPr lang="de-DE" smtClean="0"/>
-              <a:t>26.01.2018</a:t>
+              <a:t>28.01.2018</a:t>
             </a:fld>
             <a:endParaRPr lang="de-DE"/>
           </a:p>
@@ -1772,7 +2287,7 @@
     </p:spTree>
     <p:extLst>
       <p:ext uri="{BB962C8B-B14F-4D97-AF65-F5344CB8AC3E}">
-        <p14:creationId xmlns:p14="http://schemas.microsoft.com/office/powerpoint/2010/main" val="2551694848"/>
+        <p14:creationId xmlns:p14="http://schemas.microsoft.com/office/powerpoint/2010/main" val="3997771594"/>
       </p:ext>
     </p:extLst>
   </p:cSld>
@@ -1783,7 +2298,7 @@
 </file>
 
 <file path=ppt/slideLayouts/slideLayout7.xml><?xml version="1.0" encoding="utf-8"?>
-<p:sldLayout xmlns:a="http://schemas.openxmlformats.org/drawingml/2006/main" xmlns:r="http://schemas.openxmlformats.org/officeDocument/2006/relationships" xmlns:p="http://schemas.openxmlformats.org/presentationml/2006/main" type="blank" preserve="1">
+<p:sldLayout xmlns:a="http://schemas.openxmlformats.org/drawingml/2006/main" xmlns:r="http://schemas.openxmlformats.org/officeDocument/2006/relationships" xmlns:p="http://schemas.openxmlformats.org/presentationml/2006/main" showMasterSp="0" type="blank" preserve="1">
   <p:cSld name="Leer">
     <p:spTree>
       <p:nvGrpSpPr>
@@ -1816,7 +2331,7 @@
           <a:p>
             <a:fld id="{209A490C-0BF1-4910-AEA8-1E4A24D4238C}" type="datetimeFigureOut">
               <a:rPr lang="de-DE" smtClean="0"/>
-              <a:t>26.01.2018</a:t>
+              <a:t>28.01.2018</a:t>
             </a:fld>
             <a:endParaRPr lang="de-DE"/>
           </a:p>
@@ -1867,7 +2382,7 @@
     </p:spTree>
     <p:extLst>
       <p:ext uri="{BB962C8B-B14F-4D97-AF65-F5344CB8AC3E}">
-        <p14:creationId xmlns:p14="http://schemas.microsoft.com/office/powerpoint/2010/main" val="3959364077"/>
+        <p14:creationId xmlns:p14="http://schemas.microsoft.com/office/powerpoint/2010/main" val="2237285202"/>
       </p:ext>
     </p:extLst>
   </p:cSld>
@@ -1906,23 +2421,27 @@
         </p:nvSpPr>
         <p:spPr>
           <a:xfrm>
-            <a:off x="839788" y="457200"/>
-            <a:ext cx="3932237" cy="1600200"/>
+            <a:off x="223784" y="152400"/>
+            <a:ext cx="3364992" cy="978408"/>
           </a:xfrm>
         </p:spPr>
         <p:txBody>
-          <a:bodyPr anchor="b"/>
+          <a:bodyPr vert="horz" lIns="73152" rIns="45720" bIns="0" rtlCol="0" anchor="b">
+            <a:normAutofit/>
+            <a:sp3d prstMaterial="matte"/>
+          </a:bodyPr>
           <a:lstStyle>
-            <a:lvl1pPr>
-              <a:defRPr sz="3200"/>
+            <a:lvl1pPr algn="l">
+              <a:defRPr sz="2000" b="0"/>
             </a:lvl1pPr>
+            <a:extLst/>
           </a:lstStyle>
           <a:p>
             <a:r>
-              <a:rPr lang="de-DE" smtClean="0"/>
-              <a:t>Titelmasterformat durch Klicken bearbeiten</a:t>
-            </a:r>
-            <a:endParaRPr lang="de-DE"/>
+              <a:rPr kumimoji="0" lang="de-DE"/>
+              <a:t>Mastertitelformat bearbeiten</a:t>
+            </a:r>
+            <a:endParaRPr kumimoji="0" lang="en-US"/>
           </a:p>
         </p:txBody>
       </p:sp>
@@ -1938,8 +2457,8 @@
         </p:nvSpPr>
         <p:spPr>
           <a:xfrm>
-            <a:off x="5183188" y="987425"/>
-            <a:ext cx="6172200" cy="4873625"/>
+            <a:off x="4025837" y="1743134"/>
+            <a:ext cx="7894188" cy="4558885"/>
           </a:xfrm>
         </p:spPr>
         <p:txBody>
@@ -1972,42 +2491,43 @@
             <a:lvl9pPr>
               <a:defRPr sz="2000"/>
             </a:lvl9pPr>
+            <a:extLst/>
           </a:lstStyle>
           <a:p>
-            <a:pPr lvl="0"/>
-            <a:r>
-              <a:rPr lang="de-DE" smtClean="0"/>
-              <a:t>Formatvorlagen des Textmasters bearbeiten</a:t>
-            </a:r>
-          </a:p>
-          <a:p>
-            <a:pPr lvl="1"/>
-            <a:r>
-              <a:rPr lang="de-DE" smtClean="0"/>
+            <a:pPr lvl="0" eaLnBrk="1" latinLnBrk="0" hangingPunct="1"/>
+            <a:r>
+              <a:rPr lang="de-DE"/>
+              <a:t>Mastertextformat bearbeiten</a:t>
+            </a:r>
+          </a:p>
+          <a:p>
+            <a:pPr lvl="1" eaLnBrk="1" latinLnBrk="0" hangingPunct="1"/>
+            <a:r>
+              <a:rPr lang="de-DE"/>
               <a:t>Zweite Ebene</a:t>
             </a:r>
           </a:p>
           <a:p>
-            <a:pPr lvl="2"/>
-            <a:r>
-              <a:rPr lang="de-DE" smtClean="0"/>
+            <a:pPr lvl="2" eaLnBrk="1" latinLnBrk="0" hangingPunct="1"/>
+            <a:r>
+              <a:rPr lang="de-DE"/>
               <a:t>Dritte Ebene</a:t>
             </a:r>
           </a:p>
           <a:p>
-            <a:pPr lvl="3"/>
-            <a:r>
-              <a:rPr lang="de-DE" smtClean="0"/>
+            <a:pPr lvl="3" eaLnBrk="1" latinLnBrk="0" hangingPunct="1"/>
+            <a:r>
+              <a:rPr lang="de-DE"/>
               <a:t>Vierte Ebene</a:t>
             </a:r>
           </a:p>
           <a:p>
-            <a:pPr lvl="4"/>
-            <a:r>
-              <a:rPr lang="de-DE" smtClean="0"/>
+            <a:pPr lvl="4" eaLnBrk="1" latinLnBrk="0" hangingPunct="1"/>
+            <a:r>
+              <a:rPr lang="de-DE"/>
               <a:t>Fünfte Ebene</a:t>
             </a:r>
-            <a:endParaRPr lang="de-DE"/>
+            <a:endParaRPr kumimoji="0" lang="en-US"/>
           </a:p>
         </p:txBody>
       </p:sp>
@@ -2023,8 +2543,8 @@
         </p:nvSpPr>
         <p:spPr>
           <a:xfrm>
-            <a:off x="839788" y="2057400"/>
-            <a:ext cx="3932237" cy="3811588"/>
+            <a:off x="223784" y="1730018"/>
+            <a:ext cx="3291840" cy="4572000"/>
           </a:xfrm>
         </p:spPr>
         <p:txBody>
@@ -2032,46 +2552,47 @@
           <a:lstStyle>
             <a:lvl1pPr marL="0" indent="0">
               <a:buNone/>
-              <a:defRPr sz="1600"/>
+              <a:defRPr sz="1400"/>
             </a:lvl1pPr>
             <a:lvl2pPr marL="457200" indent="0">
               <a:buNone/>
-              <a:defRPr sz="1400"/>
+              <a:defRPr sz="1200"/>
             </a:lvl2pPr>
             <a:lvl3pPr marL="914400" indent="0">
               <a:buNone/>
-              <a:defRPr sz="1200"/>
+              <a:defRPr sz="1000"/>
             </a:lvl3pPr>
             <a:lvl4pPr marL="1371600" indent="0">
               <a:buNone/>
-              <a:defRPr sz="1000"/>
+              <a:defRPr sz="900"/>
             </a:lvl4pPr>
             <a:lvl5pPr marL="1828800" indent="0">
               <a:buNone/>
-              <a:defRPr sz="1000"/>
+              <a:defRPr sz="900"/>
             </a:lvl5pPr>
             <a:lvl6pPr marL="2286000" indent="0">
               <a:buNone/>
-              <a:defRPr sz="1000"/>
+              <a:defRPr sz="900"/>
             </a:lvl6pPr>
             <a:lvl7pPr marL="2743200" indent="0">
               <a:buNone/>
-              <a:defRPr sz="1000"/>
+              <a:defRPr sz="900"/>
             </a:lvl7pPr>
             <a:lvl8pPr marL="3200400" indent="0">
               <a:buNone/>
-              <a:defRPr sz="1000"/>
+              <a:defRPr sz="900"/>
             </a:lvl8pPr>
             <a:lvl9pPr marL="3657600" indent="0">
               <a:buNone/>
-              <a:defRPr sz="1000"/>
+              <a:defRPr sz="900"/>
             </a:lvl9pPr>
+            <a:extLst/>
           </a:lstStyle>
           <a:p>
-            <a:pPr lvl="0"/>
-            <a:r>
-              <a:rPr lang="de-DE" smtClean="0"/>
-              <a:t>Formatvorlagen des Textmasters bearbeiten</a:t>
+            <a:pPr lvl="0" eaLnBrk="1" latinLnBrk="0" hangingPunct="1"/>
+            <a:r>
+              <a:rPr kumimoji="0" lang="de-DE"/>
+              <a:t>Mastertextformat bearbeiten</a:t>
             </a:r>
           </a:p>
         </p:txBody>
@@ -2093,7 +2614,7 @@
           <a:p>
             <a:fld id="{209A490C-0BF1-4910-AEA8-1E4A24D4238C}" type="datetimeFigureOut">
               <a:rPr lang="de-DE" smtClean="0"/>
-              <a:t>26.01.2018</a:t>
+              <a:t>28.01.2018</a:t>
             </a:fld>
             <a:endParaRPr lang="de-DE"/>
           </a:p>
@@ -2141,10 +2662,100 @@
           </a:p>
         </p:txBody>
       </p:sp>
+      <p:sp>
+        <p:nvSpPr>
+          <p:cNvPr id="12" name="Rechteck 11"/>
+          <p:cNvSpPr/>
+          <p:nvPr/>
+        </p:nvSpPr>
+        <p:spPr bwMode="invGray">
+          <a:xfrm>
+            <a:off x="3807649" y="0"/>
+            <a:ext cx="60960" cy="1453896"/>
+          </a:xfrm>
+          <a:prstGeom prst="rect">
+            <a:avLst/>
+          </a:prstGeom>
+          <a:solidFill>
+            <a:srgbClr val="FFFFFF"/>
+          </a:solidFill>
+          <a:ln w="48000" cap="flat" cmpd="thickThin" algn="ctr">
+            <a:noFill/>
+            <a:prstDash val="solid"/>
+          </a:ln>
+        </p:spPr>
+        <p:style>
+          <a:lnRef idx="2">
+            <a:schemeClr val="accent1"/>
+          </a:lnRef>
+          <a:fillRef idx="1">
+            <a:schemeClr val="accent1"/>
+          </a:fillRef>
+          <a:effectRef idx="0">
+            <a:schemeClr val="accent1"/>
+          </a:effectRef>
+          <a:fontRef idx="minor">
+            <a:schemeClr val="lt1"/>
+          </a:fontRef>
+        </p:style>
+        <p:txBody>
+          <a:bodyPr rtlCol="0" anchor="ctr"/>
+          <a:lstStyle/>
+          <a:p>
+            <a:pPr algn="ctr" eaLnBrk="1" latinLnBrk="0" hangingPunct="1"/>
+            <a:endParaRPr kumimoji="0" lang="en-US" sz="1800"/>
+          </a:p>
+        </p:txBody>
+      </p:sp>
+      <p:sp>
+        <p:nvSpPr>
+          <p:cNvPr id="9" name="Rechteck 8"/>
+          <p:cNvSpPr/>
+          <p:nvPr/>
+        </p:nvSpPr>
+        <p:spPr bwMode="invGray">
+          <a:xfrm>
+            <a:off x="3807649" y="0"/>
+            <a:ext cx="60960" cy="1453896"/>
+          </a:xfrm>
+          <a:prstGeom prst="rect">
+            <a:avLst/>
+          </a:prstGeom>
+          <a:solidFill>
+            <a:srgbClr val="FFFFFF"/>
+          </a:solidFill>
+          <a:ln w="48000" cap="flat" cmpd="thickThin" algn="ctr">
+            <a:noFill/>
+            <a:prstDash val="solid"/>
+          </a:ln>
+        </p:spPr>
+        <p:style>
+          <a:lnRef idx="2">
+            <a:schemeClr val="accent1"/>
+          </a:lnRef>
+          <a:fillRef idx="1">
+            <a:schemeClr val="accent1"/>
+          </a:fillRef>
+          <a:effectRef idx="0">
+            <a:schemeClr val="accent1"/>
+          </a:effectRef>
+          <a:fontRef idx="minor">
+            <a:schemeClr val="lt1"/>
+          </a:fontRef>
+        </p:style>
+        <p:txBody>
+          <a:bodyPr rtlCol="0" anchor="ctr"/>
+          <a:lstStyle/>
+          <a:p>
+            <a:pPr algn="ctr" eaLnBrk="1" latinLnBrk="0" hangingPunct="1"/>
+            <a:endParaRPr kumimoji="0" lang="en-US" sz="1800"/>
+          </a:p>
+        </p:txBody>
+      </p:sp>
     </p:spTree>
     <p:extLst>
       <p:ext uri="{BB962C8B-B14F-4D97-AF65-F5344CB8AC3E}">
-        <p14:creationId xmlns:p14="http://schemas.microsoft.com/office/powerpoint/2010/main" val="2835412741"/>
+        <p14:creationId xmlns:p14="http://schemas.microsoft.com/office/powerpoint/2010/main" val="226270411"/>
       </p:ext>
     </p:extLst>
   </p:cSld>
@@ -2157,6 +2768,11 @@
 <file path=ppt/slideLayouts/slideLayout9.xml><?xml version="1.0" encoding="utf-8"?>
 <p:sldLayout xmlns:a="http://schemas.openxmlformats.org/drawingml/2006/main" xmlns:r="http://schemas.openxmlformats.org/officeDocument/2006/relationships" xmlns:p="http://schemas.openxmlformats.org/presentationml/2006/main" type="picTx" preserve="1">
   <p:cSld name="Bild mit Überschrift">
+    <p:bg>
+      <p:bgRef idx="1001">
+        <a:schemeClr val="bg2"/>
+      </p:bgRef>
+    </p:bg>
     <p:spTree>
       <p:nvGrpSpPr>
         <p:cNvPr id="1" name=""/>
@@ -2183,23 +2799,26 @@
         </p:nvSpPr>
         <p:spPr>
           <a:xfrm>
-            <a:off x="839788" y="457200"/>
-            <a:ext cx="3932237" cy="1600200"/>
+            <a:off x="219456" y="155448"/>
+            <a:ext cx="3366867" cy="978408"/>
           </a:xfrm>
         </p:spPr>
         <p:txBody>
-          <a:bodyPr anchor="b"/>
+          <a:bodyPr lIns="73152" bIns="0" anchor="b">
+            <a:sp3d prstMaterial="matte"/>
+          </a:bodyPr>
           <a:lstStyle>
-            <a:lvl1pPr>
-              <a:defRPr sz="3200"/>
+            <a:lvl1pPr algn="l">
+              <a:defRPr sz="2000" b="0"/>
             </a:lvl1pPr>
+            <a:extLst/>
           </a:lstStyle>
           <a:p>
             <a:r>
-              <a:rPr lang="de-DE" smtClean="0"/>
-              <a:t>Titelmasterformat durch Klicken bearbeiten</a:t>
-            </a:r>
-            <a:endParaRPr lang="de-DE"/>
+              <a:rPr kumimoji="0" lang="de-DE"/>
+              <a:t>Mastertitelformat bearbeiten</a:t>
+            </a:r>
+            <a:endParaRPr kumimoji="0" lang="en-US"/>
           </a:p>
         </p:txBody>
       </p:sp>
@@ -2215,9 +2834,14 @@
         </p:nvSpPr>
         <p:spPr>
           <a:xfrm>
-            <a:off x="5183188" y="987425"/>
-            <a:ext cx="6172200" cy="4873625"/>
+            <a:off x="3871741" y="1484808"/>
+            <a:ext cx="8329863" cy="5373192"/>
           </a:xfrm>
+          <a:solidFill>
+            <a:schemeClr val="bg2">
+              <a:shade val="75000"/>
+            </a:schemeClr>
+          </a:solidFill>
         </p:spPr>
         <p:txBody>
           <a:bodyPr/>
@@ -2258,9 +2882,14 @@
               <a:buNone/>
               <a:defRPr sz="2000"/>
             </a:lvl9pPr>
+            <a:extLst/>
           </a:lstStyle>
           <a:p>
-            <a:endParaRPr lang="de-DE"/>
+            <a:r>
+              <a:rPr kumimoji="0" lang="de-DE"/>
+              <a:t>Bild durch Klicken auf Symbol hinzufügen</a:t>
+            </a:r>
+            <a:endParaRPr kumimoji="0" lang="en-US" dirty="0"/>
           </a:p>
         </p:txBody>
       </p:sp>
@@ -2276,8 +2905,8 @@
         </p:nvSpPr>
         <p:spPr>
           <a:xfrm>
-            <a:off x="839788" y="2057400"/>
-            <a:ext cx="3932237" cy="3811588"/>
+            <a:off x="219456" y="1728216"/>
+            <a:ext cx="3291840" cy="4572000"/>
           </a:xfrm>
         </p:spPr>
         <p:txBody>
@@ -2285,46 +2914,47 @@
           <a:lstStyle>
             <a:lvl1pPr marL="0" indent="0">
               <a:buNone/>
-              <a:defRPr sz="1600"/>
+              <a:defRPr sz="1400"/>
             </a:lvl1pPr>
             <a:lvl2pPr marL="457200" indent="0">
               <a:buNone/>
-              <a:defRPr sz="1400"/>
+              <a:defRPr sz="1200"/>
             </a:lvl2pPr>
             <a:lvl3pPr marL="914400" indent="0">
               <a:buNone/>
-              <a:defRPr sz="1200"/>
+              <a:defRPr sz="1000"/>
             </a:lvl3pPr>
             <a:lvl4pPr marL="1371600" indent="0">
               <a:buNone/>
-              <a:defRPr sz="1000"/>
+              <a:defRPr sz="900"/>
             </a:lvl4pPr>
             <a:lvl5pPr marL="1828800" indent="0">
               <a:buNone/>
-              <a:defRPr sz="1000"/>
+              <a:defRPr sz="900"/>
             </a:lvl5pPr>
             <a:lvl6pPr marL="2286000" indent="0">
               <a:buNone/>
-              <a:defRPr sz="1000"/>
+              <a:defRPr sz="900"/>
             </a:lvl6pPr>
             <a:lvl7pPr marL="2743200" indent="0">
               <a:buNone/>
-              <a:defRPr sz="1000"/>
+              <a:defRPr sz="900"/>
             </a:lvl7pPr>
             <a:lvl8pPr marL="3200400" indent="0">
               <a:buNone/>
-              <a:defRPr sz="1000"/>
+              <a:defRPr sz="900"/>
             </a:lvl8pPr>
             <a:lvl9pPr marL="3657600" indent="0">
               <a:buNone/>
-              <a:defRPr sz="1000"/>
+              <a:defRPr sz="900"/>
             </a:lvl9pPr>
+            <a:extLst/>
           </a:lstStyle>
           <a:p>
-            <a:pPr lvl="0"/>
-            <a:r>
-              <a:rPr lang="de-DE" smtClean="0"/>
-              <a:t>Formatvorlagen des Textmasters bearbeiten</a:t>
+            <a:pPr lvl="0" eaLnBrk="1" latinLnBrk="0" hangingPunct="1"/>
+            <a:r>
+              <a:rPr kumimoji="0" lang="de-DE"/>
+              <a:t>Mastertextformat bearbeiten</a:t>
             </a:r>
           </a:p>
         </p:txBody>
@@ -2339,14 +2969,19 @@
             <p:ph type="dt" sz="half" idx="10"/>
           </p:nvPr>
         </p:nvSpPr>
-        <p:spPr/>
+        <p:spPr>
+          <a:xfrm>
+            <a:off x="219456" y="1170432"/>
+            <a:ext cx="3364992" cy="201168"/>
+          </a:xfrm>
+        </p:spPr>
         <p:txBody>
           <a:bodyPr/>
           <a:lstStyle/>
           <a:p>
             <a:fld id="{209A490C-0BF1-4910-AEA8-1E4A24D4238C}" type="datetimeFigureOut">
               <a:rPr lang="de-DE" smtClean="0"/>
-              <a:t>26.01.2018</a:t>
+              <a:t>28.01.2018</a:t>
             </a:fld>
             <a:endParaRPr lang="de-DE"/>
           </a:p>
@@ -2354,6 +2989,96 @@
       </p:sp>
       <p:sp>
         <p:nvSpPr>
+          <p:cNvPr id="11" name="Rechteck 10"/>
+          <p:cNvSpPr/>
+          <p:nvPr/>
+        </p:nvSpPr>
+        <p:spPr>
+          <a:xfrm>
+            <a:off x="3807649" y="0"/>
+            <a:ext cx="60960" cy="6858000"/>
+          </a:xfrm>
+          <a:prstGeom prst="rect">
+            <a:avLst/>
+          </a:prstGeom>
+          <a:solidFill>
+            <a:srgbClr val="FFFFFF"/>
+          </a:solidFill>
+          <a:ln w="48000" cap="flat" cmpd="thickThin" algn="ctr">
+            <a:noFill/>
+            <a:prstDash val="solid"/>
+          </a:ln>
+        </p:spPr>
+        <p:style>
+          <a:lnRef idx="2">
+            <a:schemeClr val="accent1"/>
+          </a:lnRef>
+          <a:fillRef idx="1">
+            <a:schemeClr val="accent1"/>
+          </a:fillRef>
+          <a:effectRef idx="0">
+            <a:schemeClr val="accent1"/>
+          </a:effectRef>
+          <a:fontRef idx="minor">
+            <a:schemeClr val="lt1"/>
+          </a:fontRef>
+        </p:style>
+        <p:txBody>
+          <a:bodyPr rtlCol="0" anchor="ctr"/>
+          <a:lstStyle/>
+          <a:p>
+            <a:pPr algn="ctr" eaLnBrk="1" latinLnBrk="0" hangingPunct="1"/>
+            <a:endParaRPr kumimoji="0" lang="en-US" sz="1800"/>
+          </a:p>
+        </p:txBody>
+      </p:sp>
+      <p:sp>
+        <p:nvSpPr>
+          <p:cNvPr id="9" name="Rechteck 8"/>
+          <p:cNvSpPr/>
+          <p:nvPr/>
+        </p:nvSpPr>
+        <p:spPr bwMode="invGray">
+          <a:xfrm>
+            <a:off x="3807649" y="0"/>
+            <a:ext cx="60960" cy="6858000"/>
+          </a:xfrm>
+          <a:prstGeom prst="rect">
+            <a:avLst/>
+          </a:prstGeom>
+          <a:solidFill>
+            <a:srgbClr val="FFFFFF"/>
+          </a:solidFill>
+          <a:ln w="48000" cap="flat" cmpd="thickThin" algn="ctr">
+            <a:noFill/>
+            <a:prstDash val="solid"/>
+          </a:ln>
+        </p:spPr>
+        <p:style>
+          <a:lnRef idx="2">
+            <a:schemeClr val="accent1"/>
+          </a:lnRef>
+          <a:fillRef idx="1">
+            <a:schemeClr val="accent1"/>
+          </a:fillRef>
+          <a:effectRef idx="0">
+            <a:schemeClr val="accent1"/>
+          </a:effectRef>
+          <a:fontRef idx="minor">
+            <a:schemeClr val="lt1"/>
+          </a:fontRef>
+        </p:style>
+        <p:txBody>
+          <a:bodyPr rtlCol="0" anchor="ctr"/>
+          <a:lstStyle/>
+          <a:p>
+            <a:pPr algn="ctr" eaLnBrk="1" latinLnBrk="0" hangingPunct="1"/>
+            <a:endParaRPr kumimoji="0" lang="en-US" sz="1800"/>
+          </a:p>
+        </p:txBody>
+      </p:sp>
+      <p:sp>
+        <p:nvSpPr>
           <p:cNvPr id="6" name="Fußzeilenplatzhalter 5"/>
           <p:cNvSpPr>
             <a:spLocks noGrp="1"/>
@@ -2362,10 +3087,25 @@
             <p:ph type="ftr" sz="quarter" idx="11"/>
           </p:nvPr>
         </p:nvSpPr>
-        <p:spPr/>
-        <p:txBody>
-          <a:bodyPr/>
-          <a:lstStyle/>
+        <p:spPr>
+          <a:xfrm>
+            <a:off x="4047744" y="1170432"/>
+            <a:ext cx="6925056" cy="201168"/>
+          </a:xfrm>
+        </p:spPr>
+        <p:txBody>
+          <a:bodyPr/>
+          <a:lstStyle>
+            <a:lvl1pPr>
+              <a:defRPr>
+                <a:solidFill>
+                  <a:schemeClr val="bg1">
+                    <a:shade val="50000"/>
+                  </a:schemeClr>
+                </a:solidFill>
+              </a:defRPr>
+            </a:lvl1pPr>
+          </a:lstStyle>
           <a:p>
             <a:endParaRPr lang="de-DE"/>
           </a:p>
@@ -2381,7 +3121,12 @@
             <p:ph type="sldNum" sz="quarter" idx="12"/>
           </p:nvPr>
         </p:nvSpPr>
-        <p:spPr/>
+        <p:spPr>
+          <a:xfrm>
+            <a:off x="11119104" y="1170432"/>
+            <a:ext cx="978485" cy="201168"/>
+          </a:xfrm>
+        </p:spPr>
         <p:txBody>
           <a:bodyPr/>
           <a:lstStyle/>
@@ -2397,12 +3142,12 @@
     </p:spTree>
     <p:extLst>
       <p:ext uri="{BB962C8B-B14F-4D97-AF65-F5344CB8AC3E}">
-        <p14:creationId xmlns:p14="http://schemas.microsoft.com/office/powerpoint/2010/main" val="145347716"/>
+        <p14:creationId xmlns:p14="http://schemas.microsoft.com/office/powerpoint/2010/main" val="238487298"/>
       </p:ext>
     </p:extLst>
   </p:cSld>
   <p:clrMapOvr>
-    <a:masterClrMapping/>
+    <a:overrideClrMapping bg1="lt1" tx1="dk1" bg2="lt2" tx2="dk2" accent1="accent1" accent2="accent2" accent3="accent3" accent4="accent4" accent5="accent5" accent6="accent6" hlink="hlink" folHlink="folHlink"/>
   </p:clrMapOvr>
 </p:sldLayout>
 </file>
@@ -2431,6 +3176,103 @@
       </p:grpSpPr>
       <p:sp>
         <p:nvSpPr>
+          <p:cNvPr id="10" name="Rechteck 9"/>
+          <p:cNvSpPr/>
+          <p:nvPr/>
+        </p:nvSpPr>
+        <p:spPr bwMode="invGray">
+          <a:xfrm>
+            <a:off x="0" y="1435895"/>
+            <a:ext cx="12192000" cy="45720"/>
+          </a:xfrm>
+          <a:prstGeom prst="rect">
+            <a:avLst/>
+          </a:prstGeom>
+          <a:solidFill>
+            <a:srgbClr val="FFFFFF"/>
+          </a:solidFill>
+          <a:ln w="48000" cap="flat" cmpd="thickThin" algn="ctr">
+            <a:noFill/>
+            <a:prstDash val="solid"/>
+          </a:ln>
+          <a:effectLst>
+            <a:outerShdw blurRad="31750" dist="10160" dir="5400000" algn="tl" rotWithShape="0">
+              <a:srgbClr val="000000">
+                <a:alpha val="60000"/>
+              </a:srgbClr>
+            </a:outerShdw>
+          </a:effectLst>
+        </p:spPr>
+        <p:style>
+          <a:lnRef idx="2">
+            <a:schemeClr val="accent1"/>
+          </a:lnRef>
+          <a:fillRef idx="1">
+            <a:schemeClr val="accent1"/>
+          </a:fillRef>
+          <a:effectRef idx="0">
+            <a:schemeClr val="accent1"/>
+          </a:effectRef>
+          <a:fontRef idx="minor">
+            <a:schemeClr val="lt1"/>
+          </a:fontRef>
+        </p:style>
+        <p:txBody>
+          <a:bodyPr rtlCol="0" anchor="ctr"/>
+          <a:lstStyle/>
+          <a:p>
+            <a:pPr algn="ctr" eaLnBrk="1" latinLnBrk="0" hangingPunct="1"/>
+            <a:endParaRPr kumimoji="0" lang="en-US" sz="1800"/>
+          </a:p>
+        </p:txBody>
+      </p:sp>
+      <p:sp>
+        <p:nvSpPr>
+          <p:cNvPr id="7" name="Rechteck 6"/>
+          <p:cNvSpPr/>
+          <p:nvPr/>
+        </p:nvSpPr>
+        <p:spPr bwMode="ltGray">
+          <a:xfrm>
+            <a:off x="1" y="1"/>
+            <a:ext cx="12191999" cy="1433733"/>
+          </a:xfrm>
+          <a:prstGeom prst="rect">
+            <a:avLst/>
+          </a:prstGeom>
+          <a:solidFill>
+            <a:srgbClr val="000000"/>
+          </a:solidFill>
+          <a:ln w="48000" cap="flat" cmpd="thickThin" algn="ctr">
+            <a:noFill/>
+            <a:prstDash val="solid"/>
+          </a:ln>
+        </p:spPr>
+        <p:style>
+          <a:lnRef idx="2">
+            <a:schemeClr val="accent1"/>
+          </a:lnRef>
+          <a:fillRef idx="1">
+            <a:schemeClr val="accent1"/>
+          </a:fillRef>
+          <a:effectRef idx="0">
+            <a:schemeClr val="accent1"/>
+          </a:effectRef>
+          <a:fontRef idx="minor">
+            <a:schemeClr val="lt1"/>
+          </a:fontRef>
+        </p:style>
+        <p:txBody>
+          <a:bodyPr rtlCol="0" anchor="ctr"/>
+          <a:lstStyle/>
+          <a:p>
+            <a:pPr algn="ctr" eaLnBrk="1" latinLnBrk="0" hangingPunct="1"/>
+            <a:endParaRPr kumimoji="0" lang="en-US" sz="1800"/>
+          </a:p>
+        </p:txBody>
+      </p:sp>
+      <p:sp>
+        <p:nvSpPr>
           <p:cNvPr id="2" name="Titelplatzhalter 1"/>
           <p:cNvSpPr>
             <a:spLocks noGrp="1"/>
@@ -2441,24 +3283,33 @@
         </p:nvSpPr>
         <p:spPr>
           <a:xfrm>
-            <a:off x="838200" y="365125"/>
-            <a:ext cx="10515600" cy="1325563"/>
+            <a:off x="609600" y="152400"/>
+            <a:ext cx="10972800" cy="1251062"/>
           </a:xfrm>
           <a:prstGeom prst="rect">
             <a:avLst/>
           </a:prstGeom>
         </p:spPr>
         <p:txBody>
-          <a:bodyPr vert="horz" lIns="91440" tIns="45720" rIns="91440" bIns="45720" rtlCol="0" anchor="ctr">
+          <a:bodyPr vert="horz" lIns="91440" rIns="45720" rtlCol="0" anchor="ctr">
             <a:normAutofit/>
+            <a:scene3d>
+              <a:camera prst="orthographicFront"/>
+              <a:lightRig rig="threePt" dir="t">
+                <a:rot lat="0" lon="0" rev="4800000"/>
+              </a:lightRig>
+            </a:scene3d>
+            <a:sp3d prstMaterial="matte">
+              <a:bevelT w="50800" h="10160"/>
+            </a:sp3d>
           </a:bodyPr>
           <a:lstStyle/>
           <a:p>
             <a:r>
-              <a:rPr lang="de-DE" smtClean="0"/>
+              <a:rPr kumimoji="0" lang="de-DE"/>
               <a:t>Titelmasterformat durch Klicken bearbeiten</a:t>
             </a:r>
-            <a:endParaRPr lang="de-DE"/>
+            <a:endParaRPr kumimoji="0" lang="en-US"/>
           </a:p>
         </p:txBody>
       </p:sp>
@@ -2474,53 +3325,53 @@
         </p:nvSpPr>
         <p:spPr>
           <a:xfrm>
-            <a:off x="838200" y="1825625"/>
-            <a:ext cx="10515600" cy="4351338"/>
+            <a:off x="609600" y="1775192"/>
+            <a:ext cx="10972800" cy="4625609"/>
           </a:xfrm>
           <a:prstGeom prst="rect">
             <a:avLst/>
           </a:prstGeom>
         </p:spPr>
         <p:txBody>
-          <a:bodyPr vert="horz" lIns="91440" tIns="45720" rIns="91440" bIns="45720" rtlCol="0">
+          <a:bodyPr vert="horz" lIns="54864" tIns="91440" rtlCol="0">
             <a:normAutofit/>
           </a:bodyPr>
           <a:lstStyle/>
           <a:p>
-            <a:pPr lvl="0"/>
-            <a:r>
-              <a:rPr lang="de-DE" smtClean="0"/>
-              <a:t>Formatvorlagen des Textmasters bearbeiten</a:t>
-            </a:r>
-          </a:p>
-          <a:p>
-            <a:pPr lvl="1"/>
-            <a:r>
-              <a:rPr lang="de-DE" smtClean="0"/>
+            <a:pPr lvl="0" eaLnBrk="1" latinLnBrk="0" hangingPunct="1"/>
+            <a:r>
+              <a:rPr kumimoji="0" lang="de-DE"/>
+              <a:t>Textmasterformat bearbeiten</a:t>
+            </a:r>
+          </a:p>
+          <a:p>
+            <a:pPr lvl="1" eaLnBrk="1" latinLnBrk="0" hangingPunct="1"/>
+            <a:r>
+              <a:rPr kumimoji="0" lang="de-DE"/>
               <a:t>Zweite Ebene</a:t>
             </a:r>
           </a:p>
           <a:p>
-            <a:pPr lvl="2"/>
-            <a:r>
-              <a:rPr lang="de-DE" smtClean="0"/>
+            <a:pPr lvl="2" eaLnBrk="1" latinLnBrk="0" hangingPunct="1"/>
+            <a:r>
+              <a:rPr kumimoji="0" lang="de-DE"/>
               <a:t>Dritte Ebene</a:t>
             </a:r>
           </a:p>
           <a:p>
-            <a:pPr lvl="3"/>
-            <a:r>
-              <a:rPr lang="de-DE" smtClean="0"/>
+            <a:pPr lvl="3" eaLnBrk="1" latinLnBrk="0" hangingPunct="1"/>
+            <a:r>
+              <a:rPr kumimoji="0" lang="de-DE"/>
               <a:t>Vierte Ebene</a:t>
             </a:r>
           </a:p>
           <a:p>
-            <a:pPr lvl="4"/>
-            <a:r>
-              <a:rPr lang="de-DE" smtClean="0"/>
+            <a:pPr lvl="4" eaLnBrk="1" latinLnBrk="0" hangingPunct="1"/>
+            <a:r>
+              <a:rPr kumimoji="0" lang="de-DE"/>
               <a:t>Fünfte Ebene</a:t>
             </a:r>
-            <a:endParaRPr lang="de-DE"/>
+            <a:endParaRPr kumimoji="0" lang="en-US"/>
           </a:p>
         </p:txBody>
       </p:sp>
@@ -2536,30 +3387,31 @@
         </p:nvSpPr>
         <p:spPr>
           <a:xfrm>
-            <a:off x="838200" y="6356350"/>
-            <a:ext cx="2743200" cy="365125"/>
+            <a:off x="609600" y="6476999"/>
+            <a:ext cx="2844800" cy="274320"/>
           </a:xfrm>
           <a:prstGeom prst="rect">
             <a:avLst/>
           </a:prstGeom>
         </p:spPr>
         <p:txBody>
-          <a:bodyPr vert="horz" lIns="91440" tIns="45720" rIns="91440" bIns="45720" rtlCol="0" anchor="ctr"/>
+          <a:bodyPr vert="horz" lIns="109728" rIns="45720" bIns="0" rtlCol="0" anchor="b"/>
           <a:lstStyle>
-            <a:lvl1pPr algn="l">
-              <a:defRPr sz="1200">
+            <a:lvl1pPr algn="l" eaLnBrk="1" latinLnBrk="0" hangingPunct="1">
+              <a:defRPr kumimoji="0" sz="1200">
                 <a:solidFill>
                   <a:schemeClr val="tx1">
-                    <a:tint val="75000"/>
+                    <a:tint val="95000"/>
                   </a:schemeClr>
                 </a:solidFill>
               </a:defRPr>
             </a:lvl1pPr>
+            <a:extLst/>
           </a:lstStyle>
           <a:p>
             <a:fld id="{209A490C-0BF1-4910-AEA8-1E4A24D4238C}" type="datetimeFigureOut">
               <a:rPr lang="de-DE" smtClean="0"/>
-              <a:t>26.01.2018</a:t>
+              <a:t>28.01.2018</a:t>
             </a:fld>
             <a:endParaRPr lang="de-DE"/>
           </a:p>
@@ -2577,25 +3429,26 @@
         </p:nvSpPr>
         <p:spPr>
           <a:xfrm>
-            <a:off x="4038600" y="6356350"/>
-            <a:ext cx="4114800" cy="365125"/>
+            <a:off x="3520796" y="6476999"/>
+            <a:ext cx="7343625" cy="274320"/>
           </a:xfrm>
           <a:prstGeom prst="rect">
             <a:avLst/>
           </a:prstGeom>
         </p:spPr>
         <p:txBody>
-          <a:bodyPr vert="horz" lIns="91440" tIns="45720" rIns="91440" bIns="45720" rtlCol="0" anchor="ctr"/>
+          <a:bodyPr vert="horz" lIns="45720" rIns="45720" bIns="0" rtlCol="0" anchor="b"/>
           <a:lstStyle>
-            <a:lvl1pPr algn="ctr">
-              <a:defRPr sz="1200">
+            <a:lvl1pPr algn="l" eaLnBrk="1" latinLnBrk="0" hangingPunct="1">
+              <a:defRPr kumimoji="0" sz="1200">
                 <a:solidFill>
                   <a:schemeClr val="tx1">
-                    <a:tint val="75000"/>
+                    <a:tint val="95000"/>
                   </a:schemeClr>
                 </a:solidFill>
               </a:defRPr>
             </a:lvl1pPr>
+            <a:extLst/>
           </a:lstStyle>
           <a:p>
             <a:endParaRPr lang="de-DE"/>
@@ -2614,25 +3467,26 @@
         </p:nvSpPr>
         <p:spPr>
           <a:xfrm>
-            <a:off x="8610600" y="6356350"/>
-            <a:ext cx="2743200" cy="365125"/>
+            <a:off x="10939195" y="6476999"/>
+            <a:ext cx="978485" cy="274320"/>
           </a:xfrm>
           <a:prstGeom prst="rect">
             <a:avLst/>
           </a:prstGeom>
         </p:spPr>
         <p:txBody>
-          <a:bodyPr vert="horz" lIns="91440" tIns="45720" rIns="91440" bIns="45720" rtlCol="0" anchor="ctr"/>
+          <a:bodyPr vert="horz" bIns="0" rtlCol="0" anchor="b"/>
           <a:lstStyle>
-            <a:lvl1pPr algn="r">
-              <a:defRPr sz="1200">
+            <a:lvl1pPr algn="r" eaLnBrk="1" latinLnBrk="0" hangingPunct="1">
+              <a:defRPr kumimoji="0" sz="1200">
                 <a:solidFill>
                   <a:schemeClr val="tx1">
-                    <a:tint val="75000"/>
+                    <a:tint val="95000"/>
                   </a:schemeClr>
                 </a:solidFill>
               </a:defRPr>
             </a:lvl1pPr>
+            <a:extLst/>
           </a:lstStyle>
           <a:p>
             <a:fld id="{B3A0EED8-17DC-4B52-B259-AD4CB9BE1B4F}" type="slidenum">
@@ -2646,55 +3500,57 @@
     </p:spTree>
     <p:extLst>
       <p:ext uri="{BB962C8B-B14F-4D97-AF65-F5344CB8AC3E}">
-        <p14:creationId xmlns:p14="http://schemas.microsoft.com/office/powerpoint/2010/main" val="1655749137"/>
+        <p14:creationId xmlns:p14="http://schemas.microsoft.com/office/powerpoint/2010/main" val="793235658"/>
       </p:ext>
     </p:extLst>
   </p:cSld>
   <p:clrMap bg1="lt1" tx1="dk1" bg2="lt2" tx2="dk2" accent1="accent1" accent2="accent2" accent3="accent3" accent4="accent4" accent5="accent5" accent6="accent6" hlink="hlink" folHlink="folHlink"/>
   <p:sldLayoutIdLst>
-    <p:sldLayoutId id="2147483649" r:id="rId1"/>
-    <p:sldLayoutId id="2147483650" r:id="rId2"/>
-    <p:sldLayoutId id="2147483651" r:id="rId3"/>
-    <p:sldLayoutId id="2147483652" r:id="rId4"/>
-    <p:sldLayoutId id="2147483653" r:id="rId5"/>
-    <p:sldLayoutId id="2147483654" r:id="rId6"/>
-    <p:sldLayoutId id="2147483655" r:id="rId7"/>
-    <p:sldLayoutId id="2147483656" r:id="rId8"/>
-    <p:sldLayoutId id="2147483657" r:id="rId9"/>
-    <p:sldLayoutId id="2147483658" r:id="rId10"/>
-    <p:sldLayoutId id="2147483659" r:id="rId11"/>
+    <p:sldLayoutId id="2147483661" r:id="rId1"/>
+    <p:sldLayoutId id="2147483662" r:id="rId2"/>
+    <p:sldLayoutId id="2147483663" r:id="rId3"/>
+    <p:sldLayoutId id="2147483664" r:id="rId4"/>
+    <p:sldLayoutId id="2147483665" r:id="rId5"/>
+    <p:sldLayoutId id="2147483666" r:id="rId6"/>
+    <p:sldLayoutId id="2147483667" r:id="rId7"/>
+    <p:sldLayoutId id="2147483668" r:id="rId8"/>
+    <p:sldLayoutId id="2147483669" r:id="rId9"/>
+    <p:sldLayoutId id="2147483670" r:id="rId10"/>
+    <p:sldLayoutId id="2147483671" r:id="rId11"/>
   </p:sldLayoutIdLst>
   <p:txStyles>
     <p:titleStyle>
-      <a:lvl1pPr algn="l" defTabSz="914400" rtl="0" eaLnBrk="1" latinLnBrk="0" hangingPunct="1">
-        <a:lnSpc>
-          <a:spcPct val="90000"/>
-        </a:lnSpc>
+      <a:lvl1pPr algn="l" rtl="0" eaLnBrk="1" latinLnBrk="0" hangingPunct="1">
         <a:spcBef>
           <a:spcPct val="0"/>
         </a:spcBef>
         <a:buNone/>
-        <a:defRPr sz="4400" kern="1200">
+        <a:defRPr kumimoji="0" sz="4500" b="1" kern="1200">
           <a:solidFill>
-            <a:schemeClr val="tx1"/>
+            <a:schemeClr val="accent1">
+              <a:satMod val="150000"/>
+            </a:schemeClr>
           </a:solidFill>
+          <a:effectLst/>
           <a:latin typeface="+mj-lt"/>
           <a:ea typeface="+mj-ea"/>
           <a:cs typeface="+mj-cs"/>
         </a:defRPr>
       </a:lvl1pPr>
+      <a:extLst/>
     </p:titleStyle>
     <p:bodyStyle>
-      <a:lvl1pPr marL="228600" indent="-228600" algn="l" defTabSz="914400" rtl="0" eaLnBrk="1" latinLnBrk="0" hangingPunct="1">
-        <a:lnSpc>
-          <a:spcPct val="90000"/>
-        </a:lnSpc>
+      <a:lvl1pPr marL="438912" indent="-320040" algn="l" rtl="0" eaLnBrk="1" latinLnBrk="0" hangingPunct="1">
         <a:spcBef>
-          <a:spcPts val="1000"/>
+          <a:spcPts val="0"/>
         </a:spcBef>
-        <a:buFont typeface="Arial" panose="020B0604020202020204" pitchFamily="34" charset="0"/>
-        <a:buChar char="•"/>
-        <a:defRPr sz="2800" kern="1200">
+        <a:buClr>
+          <a:schemeClr val="accent1"/>
+        </a:buClr>
+        <a:buSzPct val="80000"/>
+        <a:buFont typeface="Wingdings 2"/>
+        <a:buChar char=""/>
+        <a:defRPr kumimoji="0" sz="3200" kern="1200">
           <a:solidFill>
             <a:schemeClr val="tx1"/>
           </a:solidFill>
@@ -2703,16 +3559,17 @@
           <a:cs typeface="+mn-cs"/>
         </a:defRPr>
       </a:lvl1pPr>
-      <a:lvl2pPr marL="685800" indent="-228600" algn="l" defTabSz="914400" rtl="0" eaLnBrk="1" latinLnBrk="0" hangingPunct="1">
-        <a:lnSpc>
-          <a:spcPct val="90000"/>
-        </a:lnSpc>
+      <a:lvl2pPr marL="731520" indent="-274320" algn="l" rtl="0" eaLnBrk="1" latinLnBrk="0" hangingPunct="1">
         <a:spcBef>
-          <a:spcPts val="500"/>
+          <a:spcPct val="20000"/>
         </a:spcBef>
-        <a:buFont typeface="Arial" panose="020B0604020202020204" pitchFamily="34" charset="0"/>
-        <a:buChar char="•"/>
-        <a:defRPr sz="2400" kern="1200">
+        <a:buClr>
+          <a:schemeClr val="accent2"/>
+        </a:buClr>
+        <a:buSzPct val="90000"/>
+        <a:buFont typeface="Wingdings"/>
+        <a:buChar char=""/>
+        <a:defRPr kumimoji="0" sz="2800" kern="1200">
           <a:solidFill>
             <a:schemeClr val="tx1"/>
           </a:solidFill>
@@ -2721,16 +3578,16 @@
           <a:cs typeface="+mn-cs"/>
         </a:defRPr>
       </a:lvl2pPr>
-      <a:lvl3pPr marL="1143000" indent="-228600" algn="l" defTabSz="914400" rtl="0" eaLnBrk="1" latinLnBrk="0" hangingPunct="1">
-        <a:lnSpc>
-          <a:spcPct val="90000"/>
-        </a:lnSpc>
+      <a:lvl3pPr marL="996696" indent="-228600" algn="l" rtl="0" eaLnBrk="1" latinLnBrk="0" hangingPunct="1">
         <a:spcBef>
-          <a:spcPts val="500"/>
+          <a:spcPct val="20000"/>
         </a:spcBef>
-        <a:buFont typeface="Arial" panose="020B0604020202020204" pitchFamily="34" charset="0"/>
-        <a:buChar char="•"/>
-        <a:defRPr sz="2000" kern="1200">
+        <a:buClr>
+          <a:schemeClr val="accent3"/>
+        </a:buClr>
+        <a:buFont typeface="Arial"/>
+        <a:buChar char="▪"/>
+        <a:defRPr kumimoji="0" sz="2400" kern="1200">
           <a:solidFill>
             <a:schemeClr val="tx1"/>
           </a:solidFill>
@@ -2739,16 +3596,16 @@
           <a:cs typeface="+mn-cs"/>
         </a:defRPr>
       </a:lvl3pPr>
-      <a:lvl4pPr marL="1600200" indent="-228600" algn="l" defTabSz="914400" rtl="0" eaLnBrk="1" latinLnBrk="0" hangingPunct="1">
-        <a:lnSpc>
-          <a:spcPct val="90000"/>
-        </a:lnSpc>
+      <a:lvl4pPr marL="1216152" indent="-182880" algn="l" rtl="0" eaLnBrk="1" latinLnBrk="0" hangingPunct="1">
         <a:spcBef>
-          <a:spcPts val="500"/>
+          <a:spcPct val="20000"/>
         </a:spcBef>
-        <a:buFont typeface="Arial" panose="020B0604020202020204" pitchFamily="34" charset="0"/>
-        <a:buChar char="•"/>
-        <a:defRPr sz="1800" kern="1200">
+        <a:buClr>
+          <a:schemeClr val="accent4"/>
+        </a:buClr>
+        <a:buFont typeface="Arial"/>
+        <a:buChar char="▪"/>
+        <a:defRPr kumimoji="0" sz="2000" kern="1200">
           <a:solidFill>
             <a:schemeClr val="tx1"/>
           </a:solidFill>
@@ -2757,16 +3614,16 @@
           <a:cs typeface="+mn-cs"/>
         </a:defRPr>
       </a:lvl4pPr>
-      <a:lvl5pPr marL="2057400" indent="-228600" algn="l" defTabSz="914400" rtl="0" eaLnBrk="1" latinLnBrk="0" hangingPunct="1">
-        <a:lnSpc>
-          <a:spcPct val="90000"/>
-        </a:lnSpc>
+      <a:lvl5pPr marL="1426464" indent="-182880" algn="l" rtl="0" eaLnBrk="1" latinLnBrk="0" hangingPunct="1">
         <a:spcBef>
-          <a:spcPts val="500"/>
+          <a:spcPct val="20000"/>
         </a:spcBef>
-        <a:buFont typeface="Arial" panose="020B0604020202020204" pitchFamily="34" charset="0"/>
-        <a:buChar char="•"/>
-        <a:defRPr sz="1800" kern="1200">
+        <a:buClr>
+          <a:schemeClr val="accent5"/>
+        </a:buClr>
+        <a:buFont typeface="Wingdings 3"/>
+        <a:buChar char=""/>
+        <a:defRPr kumimoji="0" lang="en-US" sz="2000" kern="1200" smtClean="0">
           <a:solidFill>
             <a:schemeClr val="tx1"/>
           </a:solidFill>
@@ -2775,16 +3632,17 @@
           <a:cs typeface="+mn-cs"/>
         </a:defRPr>
       </a:lvl5pPr>
-      <a:lvl6pPr marL="2514600" indent="-228600" algn="l" defTabSz="914400" rtl="0" eaLnBrk="1" latinLnBrk="0" hangingPunct="1">
-        <a:lnSpc>
-          <a:spcPct val="90000"/>
-        </a:lnSpc>
+      <a:lvl6pPr marL="1627632" indent="-182880" algn="l" rtl="0" eaLnBrk="1" latinLnBrk="0" hangingPunct="1">
         <a:spcBef>
-          <a:spcPts val="500"/>
+          <a:spcPct val="20000"/>
         </a:spcBef>
-        <a:buFont typeface="Arial" panose="020B0604020202020204" pitchFamily="34" charset="0"/>
-        <a:buChar char="•"/>
-        <a:defRPr sz="1800" kern="1200">
+        <a:buClr>
+          <a:schemeClr val="accent6"/>
+        </a:buClr>
+        <a:buSzPct val="100000"/>
+        <a:buFont typeface="Wingdings 2"/>
+        <a:buChar char=""/>
+        <a:defRPr kumimoji="0" sz="2000" kern="1200">
           <a:solidFill>
             <a:schemeClr val="tx1"/>
           </a:solidFill>
@@ -2793,16 +3651,17 @@
           <a:cs typeface="+mn-cs"/>
         </a:defRPr>
       </a:lvl6pPr>
-      <a:lvl7pPr marL="2971800" indent="-228600" algn="l" defTabSz="914400" rtl="0" eaLnBrk="1" latinLnBrk="0" hangingPunct="1">
-        <a:lnSpc>
-          <a:spcPct val="90000"/>
-        </a:lnSpc>
+      <a:lvl7pPr marL="1828800" indent="-182880" algn="l" rtl="0" eaLnBrk="1" latinLnBrk="0" hangingPunct="1">
         <a:spcBef>
-          <a:spcPts val="500"/>
+          <a:spcPct val="20000"/>
         </a:spcBef>
-        <a:buFont typeface="Arial" panose="020B0604020202020204" pitchFamily="34" charset="0"/>
-        <a:buChar char="•"/>
-        <a:defRPr sz="1800" kern="1200">
+        <a:buClr>
+          <a:schemeClr val="accent1"/>
+        </a:buClr>
+        <a:buSzPct val="100000"/>
+        <a:buFont typeface="Wingdings 2"/>
+        <a:buChar char=""/>
+        <a:defRPr kumimoji="0" sz="1800" kern="1200">
           <a:solidFill>
             <a:schemeClr val="tx1"/>
           </a:solidFill>
@@ -2811,16 +3670,16 @@
           <a:cs typeface="+mn-cs"/>
         </a:defRPr>
       </a:lvl7pPr>
-      <a:lvl8pPr marL="3429000" indent="-228600" algn="l" defTabSz="914400" rtl="0" eaLnBrk="1" latinLnBrk="0" hangingPunct="1">
-        <a:lnSpc>
-          <a:spcPct val="90000"/>
-        </a:lnSpc>
+      <a:lvl8pPr marL="2029968" indent="-182880" algn="l" rtl="0" eaLnBrk="1" latinLnBrk="0" hangingPunct="1">
         <a:spcBef>
-          <a:spcPts val="500"/>
+          <a:spcPct val="20000"/>
         </a:spcBef>
-        <a:buFont typeface="Arial" panose="020B0604020202020204" pitchFamily="34" charset="0"/>
-        <a:buChar char="•"/>
-        <a:defRPr sz="1800" kern="1200">
+        <a:buClr>
+          <a:schemeClr val="accent2"/>
+        </a:buClr>
+        <a:buFont typeface="Wingdings 2" pitchFamily="18" charset="2"/>
+        <a:buChar char=""/>
+        <a:defRPr kumimoji="0" sz="1800" kern="1200">
           <a:solidFill>
             <a:schemeClr val="tx1"/>
           </a:solidFill>
@@ -2829,16 +3688,16 @@
           <a:cs typeface="+mn-cs"/>
         </a:defRPr>
       </a:lvl8pPr>
-      <a:lvl9pPr marL="3886200" indent="-228600" algn="l" defTabSz="914400" rtl="0" eaLnBrk="1" latinLnBrk="0" hangingPunct="1">
-        <a:lnSpc>
-          <a:spcPct val="90000"/>
-        </a:lnSpc>
+      <a:lvl9pPr marL="2231136" indent="-182880" algn="l" rtl="0" eaLnBrk="1" latinLnBrk="0" hangingPunct="1">
         <a:spcBef>
-          <a:spcPts val="500"/>
+          <a:spcPct val="20000"/>
         </a:spcBef>
-        <a:buFont typeface="Arial" panose="020B0604020202020204" pitchFamily="34" charset="0"/>
-        <a:buChar char="•"/>
-        <a:defRPr sz="1800" kern="1200">
+        <a:buClr>
+          <a:schemeClr val="accent3"/>
+        </a:buClr>
+        <a:buFont typeface="Wingdings 2" pitchFamily="18" charset="2"/>
+        <a:buChar char=""/>
+        <a:defRPr kumimoji="0" sz="1800" kern="1200" baseline="0">
           <a:solidFill>
             <a:schemeClr val="tx1"/>
           </a:solidFill>
@@ -2847,13 +3706,11 @@
           <a:cs typeface="+mn-cs"/>
         </a:defRPr>
       </a:lvl9pPr>
+      <a:extLst/>
     </p:bodyStyle>
     <p:otherStyle>
-      <a:defPPr>
-        <a:defRPr lang="de-DE"/>
-      </a:defPPr>
-      <a:lvl1pPr marL="0" algn="l" defTabSz="914400" rtl="0" eaLnBrk="1" latinLnBrk="0" hangingPunct="1">
-        <a:defRPr sz="1800" kern="1200">
+      <a:lvl1pPr marL="0" algn="l" rtl="0" eaLnBrk="1" latinLnBrk="0" hangingPunct="1">
+        <a:defRPr kumimoji="0" kern="1200">
           <a:solidFill>
             <a:schemeClr val="tx1"/>
           </a:solidFill>
@@ -2862,8 +3719,8 @@
           <a:cs typeface="+mn-cs"/>
         </a:defRPr>
       </a:lvl1pPr>
-      <a:lvl2pPr marL="457200" algn="l" defTabSz="914400" rtl="0" eaLnBrk="1" latinLnBrk="0" hangingPunct="1">
-        <a:defRPr sz="1800" kern="1200">
+      <a:lvl2pPr marL="457200" algn="l" rtl="0" eaLnBrk="1" latinLnBrk="0" hangingPunct="1">
+        <a:defRPr kumimoji="0" kern="1200">
           <a:solidFill>
             <a:schemeClr val="tx1"/>
           </a:solidFill>
@@ -2872,8 +3729,8 @@
           <a:cs typeface="+mn-cs"/>
         </a:defRPr>
       </a:lvl2pPr>
-      <a:lvl3pPr marL="914400" algn="l" defTabSz="914400" rtl="0" eaLnBrk="1" latinLnBrk="0" hangingPunct="1">
-        <a:defRPr sz="1800" kern="1200">
+      <a:lvl3pPr marL="914400" algn="l" rtl="0" eaLnBrk="1" latinLnBrk="0" hangingPunct="1">
+        <a:defRPr kumimoji="0" kern="1200">
           <a:solidFill>
             <a:schemeClr val="tx1"/>
           </a:solidFill>
@@ -2882,8 +3739,8 @@
           <a:cs typeface="+mn-cs"/>
         </a:defRPr>
       </a:lvl3pPr>
-      <a:lvl4pPr marL="1371600" algn="l" defTabSz="914400" rtl="0" eaLnBrk="1" latinLnBrk="0" hangingPunct="1">
-        <a:defRPr sz="1800" kern="1200">
+      <a:lvl4pPr marL="1371600" algn="l" rtl="0" eaLnBrk="1" latinLnBrk="0" hangingPunct="1">
+        <a:defRPr kumimoji="0" kern="1200">
           <a:solidFill>
             <a:schemeClr val="tx1"/>
           </a:solidFill>
@@ -2892,8 +3749,8 @@
           <a:cs typeface="+mn-cs"/>
         </a:defRPr>
       </a:lvl4pPr>
-      <a:lvl5pPr marL="1828800" algn="l" defTabSz="914400" rtl="0" eaLnBrk="1" latinLnBrk="0" hangingPunct="1">
-        <a:defRPr sz="1800" kern="1200">
+      <a:lvl5pPr marL="1828800" algn="l" rtl="0" eaLnBrk="1" latinLnBrk="0" hangingPunct="1">
+        <a:defRPr kumimoji="0" kern="1200">
           <a:solidFill>
             <a:schemeClr val="tx1"/>
           </a:solidFill>
@@ -2902,8 +3759,8 @@
           <a:cs typeface="+mn-cs"/>
         </a:defRPr>
       </a:lvl5pPr>
-      <a:lvl6pPr marL="2286000" algn="l" defTabSz="914400" rtl="0" eaLnBrk="1" latinLnBrk="0" hangingPunct="1">
-        <a:defRPr sz="1800" kern="1200">
+      <a:lvl6pPr marL="2286000" algn="l" rtl="0" eaLnBrk="1" latinLnBrk="0" hangingPunct="1">
+        <a:defRPr kumimoji="0" kern="1200">
           <a:solidFill>
             <a:schemeClr val="tx1"/>
           </a:solidFill>
@@ -2912,8 +3769,8 @@
           <a:cs typeface="+mn-cs"/>
         </a:defRPr>
       </a:lvl6pPr>
-      <a:lvl7pPr marL="2743200" algn="l" defTabSz="914400" rtl="0" eaLnBrk="1" latinLnBrk="0" hangingPunct="1">
-        <a:defRPr sz="1800" kern="1200">
+      <a:lvl7pPr marL="2743200" algn="l" rtl="0" eaLnBrk="1" latinLnBrk="0" hangingPunct="1">
+        <a:defRPr kumimoji="0" kern="1200">
           <a:solidFill>
             <a:schemeClr val="tx1"/>
           </a:solidFill>
@@ -2922,8 +3779,8 @@
           <a:cs typeface="+mn-cs"/>
         </a:defRPr>
       </a:lvl7pPr>
-      <a:lvl8pPr marL="3200400" algn="l" defTabSz="914400" rtl="0" eaLnBrk="1" latinLnBrk="0" hangingPunct="1">
-        <a:defRPr sz="1800" kern="1200">
+      <a:lvl8pPr marL="3200400" algn="l" rtl="0" eaLnBrk="1" latinLnBrk="0" hangingPunct="1">
+        <a:defRPr kumimoji="0" kern="1200">
           <a:solidFill>
             <a:schemeClr val="tx1"/>
           </a:solidFill>
@@ -2932,8 +3789,8 @@
           <a:cs typeface="+mn-cs"/>
         </a:defRPr>
       </a:lvl8pPr>
-      <a:lvl9pPr marL="3657600" algn="l" defTabSz="914400" rtl="0" eaLnBrk="1" latinLnBrk="0" hangingPunct="1">
-        <a:defRPr sz="1800" kern="1200">
+      <a:lvl9pPr marL="3657600" algn="l" rtl="0" eaLnBrk="1" latinLnBrk="0" hangingPunct="1">
+        <a:defRPr kumimoji="0" kern="1200">
           <a:solidFill>
             <a:schemeClr val="tx1"/>
           </a:solidFill>
@@ -2942,6 +3799,7 @@
           <a:cs typeface="+mn-cs"/>
         </a:defRPr>
       </a:lvl9pPr>
+      <a:extLst/>
     </p:otherStyle>
   </p:txStyles>
 </p:sldMaster>
@@ -2982,24 +3840,24 @@
           <a:lstStyle/>
           <a:p>
             <a:r>
-              <a:rPr lang="de-DE" sz="4400" b="1" dirty="0" smtClean="0">
+              <a:rPr lang="de-DE" sz="3600" b="1" dirty="0">
                 <a:effectLst/>
               </a:rPr>
               <a:t>Merkmalserkennung von Gebäuden und Grundstücken in Satellitenbildern mittels </a:t>
             </a:r>
             <a:r>
-              <a:rPr lang="de-DE" sz="4400" b="1" dirty="0" err="1" smtClean="0">
+              <a:rPr lang="de-DE" sz="3600" b="1" dirty="0" err="1">
                 <a:effectLst/>
               </a:rPr>
               <a:t>Deeplearning</a:t>
             </a:r>
             <a:r>
-              <a:rPr lang="de-DE" sz="4400" dirty="0" smtClean="0">
+              <a:rPr lang="de-DE" sz="3600" dirty="0">
                 <a:effectLst/>
               </a:rPr>
               <a:t> </a:t>
             </a:r>
-            <a:endParaRPr lang="de-DE" sz="4400" dirty="0"/>
+            <a:endParaRPr lang="de-DE" sz="3600" dirty="0"/>
           </a:p>
         </p:txBody>
       </p:sp>
@@ -3019,7 +3877,7 @@
           <a:lstStyle/>
           <a:p>
             <a:r>
-              <a:rPr lang="de-DE" dirty="0" smtClean="0">
+              <a:rPr lang="de-DE" dirty="0">
                 <a:effectLst/>
               </a:rPr>
               <a:t>Sebastian Mischke</a:t>
@@ -3038,20 +3896,93 @@
   <p:clrMapOvr>
     <a:masterClrMapping/>
   </p:clrMapOvr>
-  <p:timing>
-    <p:tnLst>
-      <p:par>
-        <p:cTn id="1" dur="indefinite" restart="never" nodeType="tmRoot"/>
-      </p:par>
-    </p:tnLst>
-  </p:timing>
+</p:sld>
+</file>
+
+<file path=ppt/slides/slide2.xml><?xml version="1.0" encoding="utf-8"?>
+<p:sld xmlns:a="http://schemas.openxmlformats.org/drawingml/2006/main" xmlns:r="http://schemas.openxmlformats.org/officeDocument/2006/relationships" xmlns:p="http://schemas.openxmlformats.org/presentationml/2006/main">
+  <p:cSld>
+    <p:spTree>
+      <p:nvGrpSpPr>
+        <p:cNvPr id="1" name=""/>
+        <p:cNvGrpSpPr/>
+        <p:nvPr/>
+      </p:nvGrpSpPr>
+      <p:grpSpPr>
+        <a:xfrm>
+          <a:off x="0" y="0"/>
+          <a:ext cx="0" cy="0"/>
+          <a:chOff x="0" y="0"/>
+          <a:chExt cx="0" cy="0"/>
+        </a:xfrm>
+      </p:grpSpPr>
+      <p:sp>
+        <p:nvSpPr>
+          <p:cNvPr id="2" name="Titel 1">
+            <a:extLst>
+              <a:ext uri="{FF2B5EF4-FFF2-40B4-BE49-F238E27FC236}">
+                <a16:creationId xmlns:a16="http://schemas.microsoft.com/office/drawing/2014/main" id="{75DB70B6-6779-42AC-A55A-9D5ABF269251}"/>
+              </a:ext>
+            </a:extLst>
+          </p:cNvPr>
+          <p:cNvSpPr>
+            <a:spLocks noGrp="1"/>
+          </p:cNvSpPr>
+          <p:nvPr>
+            <p:ph type="title"/>
+          </p:nvPr>
+        </p:nvSpPr>
+        <p:spPr/>
+        <p:txBody>
+          <a:bodyPr/>
+          <a:lstStyle/>
+          <a:p>
+            <a:endParaRPr lang="de-DE"/>
+          </a:p>
+        </p:txBody>
+      </p:sp>
+      <p:sp>
+        <p:nvSpPr>
+          <p:cNvPr id="3" name="Inhaltsplatzhalter 2">
+            <a:extLst>
+              <a:ext uri="{FF2B5EF4-FFF2-40B4-BE49-F238E27FC236}">
+                <a16:creationId xmlns:a16="http://schemas.microsoft.com/office/drawing/2014/main" id="{4084C417-145C-4918-BF56-CAA4DAB293EF}"/>
+              </a:ext>
+            </a:extLst>
+          </p:cNvPr>
+          <p:cNvSpPr>
+            <a:spLocks noGrp="1"/>
+          </p:cNvSpPr>
+          <p:nvPr>
+            <p:ph idx="1"/>
+          </p:nvPr>
+        </p:nvSpPr>
+        <p:spPr/>
+        <p:txBody>
+          <a:bodyPr/>
+          <a:lstStyle/>
+          <a:p>
+            <a:endParaRPr lang="de-DE"/>
+          </a:p>
+        </p:txBody>
+      </p:sp>
+    </p:spTree>
+    <p:extLst>
+      <p:ext uri="{BB962C8B-B14F-4D97-AF65-F5344CB8AC3E}">
+        <p14:creationId xmlns:p14="http://schemas.microsoft.com/office/powerpoint/2010/main" val="462726564"/>
+      </p:ext>
+    </p:extLst>
+  </p:cSld>
+  <p:clrMapOvr>
+    <a:masterClrMapping/>
+  </p:clrMapOvr>
 </p:sld>
 </file>
 
 <file path=ppt/theme/theme1.xml><?xml version="1.0" encoding="utf-8"?>
-<a:theme xmlns:a="http://schemas.openxmlformats.org/drawingml/2006/main" name="Office">
+<a:theme xmlns:a="http://schemas.openxmlformats.org/drawingml/2006/main" name="OldSchool">
   <a:themeElements>
-    <a:clrScheme name="Office">
+    <a:clrScheme name="Modul">
       <a:dk1>
         <a:sysClr val="windowText" lastClr="000000"/>
       </a:dk1>
@@ -3059,52 +3990,52 @@
         <a:sysClr val="window" lastClr="FFFFFF"/>
       </a:lt1>
       <a:dk2>
-        <a:srgbClr val="44546A"/>
+        <a:srgbClr val="5A6378"/>
       </a:dk2>
       <a:lt2>
-        <a:srgbClr val="E7E6E6"/>
+        <a:srgbClr val="D4D4D6"/>
       </a:lt2>
       <a:accent1>
-        <a:srgbClr val="5B9BD5"/>
+        <a:srgbClr val="F0AD00"/>
       </a:accent1>
       <a:accent2>
-        <a:srgbClr val="ED7D31"/>
+        <a:srgbClr val="60B5CC"/>
       </a:accent2>
       <a:accent3>
-        <a:srgbClr val="A5A5A5"/>
+        <a:srgbClr val="E66C7D"/>
       </a:accent3>
       <a:accent4>
-        <a:srgbClr val="FFC000"/>
+        <a:srgbClr val="6BB76D"/>
       </a:accent4>
       <a:accent5>
-        <a:srgbClr val="4472C4"/>
+        <a:srgbClr val="E88651"/>
       </a:accent5>
       <a:accent6>
-        <a:srgbClr val="70AD47"/>
+        <a:srgbClr val="C64847"/>
       </a:accent6>
       <a:hlink>
-        <a:srgbClr val="0563C1"/>
+        <a:srgbClr val="168BBA"/>
       </a:hlink>
       <a:folHlink>
-        <a:srgbClr val="954F72"/>
+        <a:srgbClr val="680000"/>
       </a:folHlink>
     </a:clrScheme>
-    <a:fontScheme name="Office">
+    <a:fontScheme name="Modul">
       <a:majorFont>
-        <a:latin typeface="Calibri Light" panose="020F0302020204030204"/>
+        <a:latin typeface="Corbel"/>
         <a:ea typeface=""/>
         <a:cs typeface=""/>
-        <a:font script="Jpan" typeface="游ゴシック Light"/>
-        <a:font script="Hang" typeface="맑은 고딕"/>
-        <a:font script="Hans" typeface="等线 Light"/>
+        <a:font script="Jpan" typeface="HGｺﾞｼｯｸM"/>
+        <a:font script="Hang" typeface="HY엽서L"/>
+        <a:font script="Hans" typeface="华文楷体"/>
         <a:font script="Hant" typeface="新細明體"/>
-        <a:font script="Arab" typeface="Times New Roman"/>
-        <a:font script="Hebr" typeface="Times New Roman"/>
-        <a:font script="Thai" typeface="Angsana New"/>
+        <a:font script="Arab" typeface="Tahoma"/>
+        <a:font script="Hebr" typeface="Miriam"/>
+        <a:font script="Thai" typeface="DilleniaUPC"/>
         <a:font script="Ethi" typeface="Nyala"/>
         <a:font script="Beng" typeface="Vrinda"/>
         <a:font script="Gujr" typeface="Shruti"/>
-        <a:font script="Khmr" typeface="MoolBoran"/>
+        <a:font script="Khmr" typeface="DaunPenh"/>
         <a:font script="Knda" typeface="Tunga"/>
         <a:font script="Guru" typeface="Raavi"/>
         <a:font script="Cans" typeface="Euphemia"/>
@@ -3121,21 +4052,21 @@
         <a:font script="Laoo" typeface="DokChampa"/>
         <a:font script="Sinh" typeface="Iskoola Pota"/>
         <a:font script="Mong" typeface="Mongolian Baiti"/>
-        <a:font script="Viet" typeface="Times New Roman"/>
+        <a:font script="Viet" typeface="Arial"/>
         <a:font script="Uigh" typeface="Microsoft Uighur"/>
         <a:font script="Geor" typeface="Sylfaen"/>
       </a:majorFont>
       <a:minorFont>
-        <a:latin typeface="Calibri" panose="020F0502020204030204"/>
+        <a:latin typeface="Corbel"/>
         <a:ea typeface=""/>
         <a:cs typeface=""/>
-        <a:font script="Jpan" typeface="游ゴシック"/>
-        <a:font script="Hang" typeface="맑은 고딕"/>
-        <a:font script="Hans" typeface="等线"/>
+        <a:font script="Jpan" typeface="HGｺﾞｼｯｸM"/>
+        <a:font script="Hang" typeface="HY엽서L"/>
+        <a:font script="Hans" typeface="华文楷体"/>
         <a:font script="Hant" typeface="新細明體"/>
-        <a:font script="Arab" typeface="Arial"/>
-        <a:font script="Hebr" typeface="Arial"/>
-        <a:font script="Thai" typeface="Cordia New"/>
+        <a:font script="Arab" typeface="Tahoma"/>
+        <a:font script="Hebr" typeface="Miriam"/>
+        <a:font script="Thai" typeface="DilleniaUPC"/>
         <a:font script="Ethi" typeface="Nyala"/>
         <a:font script="Beng" typeface="Vrinda"/>
         <a:font script="Gujr" typeface="Shruti"/>
@@ -3161,7 +4092,7 @@
         <a:font script="Geor" typeface="Sylfaen"/>
       </a:minorFont>
     </a:fontScheme>
-    <a:fmtScheme name="Office">
+    <a:fmtScheme name="Modul">
       <a:fillStyleLst>
         <a:solidFill>
           <a:schemeClr val="phClr"/>
@@ -3170,132 +4101,161 @@
           <a:gsLst>
             <a:gs pos="0">
               <a:schemeClr val="phClr">
-                <a:lumMod val="110000"/>
-                <a:satMod val="105000"/>
-                <a:tint val="67000"/>
+                <a:tint val="50000"/>
+                <a:satMod val="300000"/>
               </a:schemeClr>
             </a:gs>
-            <a:gs pos="50000">
+            <a:gs pos="35000">
               <a:schemeClr val="phClr">
-                <a:lumMod val="105000"/>
-                <a:satMod val="103000"/>
-                <a:tint val="73000"/>
+                <a:tint val="37000"/>
+                <a:satMod val="300000"/>
               </a:schemeClr>
             </a:gs>
             <a:gs pos="100000">
               <a:schemeClr val="phClr">
-                <a:lumMod val="105000"/>
-                <a:satMod val="109000"/>
-                <a:tint val="81000"/>
+                <a:tint val="15000"/>
+                <a:satMod val="350000"/>
               </a:schemeClr>
             </a:gs>
           </a:gsLst>
-          <a:lin ang="5400000" scaled="0"/>
+          <a:lin ang="16200000" scaled="1"/>
         </a:gradFill>
         <a:gradFill rotWithShape="1">
           <a:gsLst>
             <a:gs pos="0">
               <a:schemeClr val="phClr">
-                <a:satMod val="103000"/>
-                <a:lumMod val="102000"/>
-                <a:tint val="94000"/>
+                <a:shade val="47500"/>
+                <a:satMod val="137000"/>
               </a:schemeClr>
             </a:gs>
-            <a:gs pos="50000">
+            <a:gs pos="55000">
               <a:schemeClr val="phClr">
-                <a:satMod val="110000"/>
-                <a:lumMod val="100000"/>
-                <a:shade val="100000"/>
+                <a:shade val="69000"/>
+                <a:satMod val="137000"/>
               </a:schemeClr>
             </a:gs>
             <a:gs pos="100000">
               <a:schemeClr val="phClr">
-                <a:lumMod val="99000"/>
-                <a:satMod val="120000"/>
-                <a:shade val="78000"/>
+                <a:shade val="98000"/>
+                <a:satMod val="137000"/>
               </a:schemeClr>
             </a:gs>
           </a:gsLst>
-          <a:lin ang="5400000" scaled="0"/>
+          <a:lin ang="16200000" scaled="0"/>
         </a:gradFill>
       </a:fillStyleLst>
       <a:lnStyleLst>
-        <a:ln w="6350" cap="flat" cmpd="sng" algn="ctr">
+        <a:ln w="6350" cap="rnd" cmpd="sng" algn="ctr">
+          <a:solidFill>
+            <a:schemeClr val="phClr">
+              <a:shade val="95000"/>
+              <a:satMod val="105000"/>
+            </a:schemeClr>
+          </a:solidFill>
+          <a:prstDash val="solid"/>
+        </a:ln>
+        <a:ln w="48000" cap="flat" cmpd="thickThin" algn="ctr">
           <a:solidFill>
             <a:schemeClr val="phClr"/>
           </a:solidFill>
           <a:prstDash val="solid"/>
-          <a:miter lim="800000"/>
         </a:ln>
-        <a:ln w="12700" cap="flat" cmpd="sng" algn="ctr">
+        <a:ln w="48500" cap="flat" cmpd="thickThin" algn="ctr">
           <a:solidFill>
             <a:schemeClr val="phClr"/>
           </a:solidFill>
           <a:prstDash val="solid"/>
-          <a:miter lim="800000"/>
-        </a:ln>
-        <a:ln w="19050" cap="flat" cmpd="sng" algn="ctr">
-          <a:solidFill>
-            <a:schemeClr val="phClr"/>
-          </a:solidFill>
-          <a:prstDash val="solid"/>
-          <a:miter lim="800000"/>
         </a:ln>
       </a:lnStyleLst>
       <a:effectStyleLst>
         <a:effectStyle>
-          <a:effectLst/>
-        </a:effectStyle>
-        <a:effectStyle>
-          <a:effectLst/>
+          <a:effectLst>
+            <a:outerShdw blurRad="45000" dist="25000" dir="5400000" rotWithShape="0">
+              <a:srgbClr val="000000">
+                <a:alpha val="38000"/>
+              </a:srgbClr>
+            </a:outerShdw>
+          </a:effectLst>
         </a:effectStyle>
         <a:effectStyle>
           <a:effectLst>
-            <a:outerShdw blurRad="57150" dist="19050" dir="5400000" algn="ctr" rotWithShape="0">
+            <a:outerShdw blurRad="39000" dist="25400" dir="5400000" rotWithShape="0">
               <a:srgbClr val="000000">
-                <a:alpha val="63000"/>
+                <a:alpha val="38000"/>
               </a:srgbClr>
             </a:outerShdw>
           </a:effectLst>
+        </a:effectStyle>
+        <a:effectStyle>
+          <a:effectLst>
+            <a:outerShdw blurRad="39000" dist="25400" dir="5400000" rotWithShape="0">
+              <a:srgbClr val="000000">
+                <a:alpha val="38000"/>
+              </a:srgbClr>
+            </a:outerShdw>
+          </a:effectLst>
+          <a:scene3d>
+            <a:camera prst="orthographicFront" fov="0">
+              <a:rot lat="0" lon="0" rev="0"/>
+            </a:camera>
+            <a:lightRig rig="threePt" dir="t">
+              <a:rot lat="0" lon="0" rev="1800000"/>
+            </a:lightRig>
+          </a:scene3d>
+          <a:sp3d prstMaterial="matte">
+            <a:bevelT h="20000"/>
+          </a:sp3d>
         </a:effectStyle>
       </a:effectStyleLst>
       <a:bgFillStyleLst>
         <a:solidFill>
           <a:schemeClr val="phClr"/>
         </a:solidFill>
-        <a:solidFill>
-          <a:schemeClr val="phClr">
-            <a:tint val="95000"/>
-            <a:satMod val="170000"/>
-          </a:schemeClr>
-        </a:solidFill>
         <a:gradFill rotWithShape="1">
           <a:gsLst>
             <a:gs pos="0">
               <a:schemeClr val="phClr">
-                <a:tint val="93000"/>
-                <a:satMod val="150000"/>
-                <a:shade val="98000"/>
-                <a:lumMod val="102000"/>
+                <a:tint val="48000"/>
+                <a:satMod val="300000"/>
               </a:schemeClr>
             </a:gs>
-            <a:gs pos="50000">
+            <a:gs pos="12000">
               <a:schemeClr val="phClr">
-                <a:tint val="98000"/>
-                <a:satMod val="130000"/>
-                <a:shade val="90000"/>
-                <a:lumMod val="103000"/>
+                <a:tint val="48000"/>
+                <a:satMod val="300000"/>
+              </a:schemeClr>
+            </a:gs>
+            <a:gs pos="20000">
+              <a:schemeClr val="phClr">
+                <a:tint val="49000"/>
+                <a:satMod val="300000"/>
               </a:schemeClr>
             </a:gs>
             <a:gs pos="100000">
               <a:schemeClr val="phClr">
-                <a:shade val="63000"/>
-                <a:satMod val="120000"/>
+                <a:shade val="30000"/>
               </a:schemeClr>
             </a:gs>
           </a:gsLst>
-          <a:lin ang="5400000" scaled="0"/>
+          <a:path path="circle">
+            <a:fillToRect l="10000" t="-25000" r="10000" b="125000"/>
+          </a:path>
         </a:gradFill>
+        <a:blipFill>
+          <a:blip xmlns:r="http://schemas.openxmlformats.org/officeDocument/2006/relationships" r:embed="rId1">
+            <a:duotone>
+              <a:schemeClr val="phClr">
+                <a:shade val="75000"/>
+                <a:satMod val="105000"/>
+              </a:schemeClr>
+              <a:schemeClr val="phClr">
+                <a:tint val="95000"/>
+                <a:satMod val="105000"/>
+              </a:schemeClr>
+            </a:duotone>
+          </a:blip>
+          <a:tile tx="0" ty="0" sx="38000" sy="38000" flip="none" algn="tl"/>
+        </a:blipFill>
       </a:bgFillStyleLst>
     </a:fmtScheme>
   </a:themeElements>
@@ -3303,7 +4263,7 @@
   <a:extraClrSchemeLst/>
   <a:extLst>
     <a:ext uri="{05A4C25C-085E-4340-85A3-A5531E510DB2}">
-      <thm15:themeFamily xmlns:thm15="http://schemas.microsoft.com/office/thememl/2012/main" name="Office Theme" id="{62F939B6-93AF-4DB8-9C6B-D6C7DFDC589F}" vid="{4A3C46E8-61CC-4603-A589-7422A47A8E4A}"/>
+      <thm15:themeFamily xmlns:thm15="http://schemas.microsoft.com/office/thememl/2012/main" name="OldSchool" id="{CB1EED31-7E47-49F9-A8C0-4D84477595C9}" vid="{4E21E79B-086D-42ED-9176-414138C4D6B2}"/>
     </a:ext>
   </a:extLst>
 </a:theme>
